--- a/sbu/_docdev/images/sbu-legal-architecture-diagrams.pptx
+++ b/sbu/_docdev/images/sbu-legal-architecture-diagrams.pptx
@@ -3910,7 +3910,7 @@
         <p:spPr>
           <a:xfrm>
             <a:off x="717072" y="1257300"/>
-            <a:ext cx="7664928" cy="2862322"/>
+            <a:ext cx="7664928" cy="1938992"/>
           </a:xfrm>
           <a:prstGeom prst="rect">
             <a:avLst/>
@@ -3923,25 +3923,6 @@
           <a:lstStyle/>
           <a:p>
             <a:pPr algn="ctr"/>
-            <a:r>
-              <a:rPr lang="en-US" sz="6000" dirty="0">
-                <a:solidFill>
-                  <a:srgbClr val="FF6600"/>
-                </a:solidFill>
-                <a:latin typeface="Avenir Book"/>
-                <a:cs typeface="Avenir Book"/>
-              </a:rPr>
-              <a:t>STF V2 </a:t>
-            </a:r>
-            <a:br>
-              <a:rPr lang="en-US" sz="6000" dirty="0">
-                <a:solidFill>
-                  <a:srgbClr val="FF6600"/>
-                </a:solidFill>
-                <a:latin typeface="Avenir Book"/>
-                <a:cs typeface="Avenir Book"/>
-              </a:rPr>
-            </a:br>
             <a:r>
               <a:rPr lang="en-US" sz="6000" dirty="0">
                 <a:solidFill>
@@ -4160,7 +4141,7 @@
                 <a:latin typeface="Avenir Black"/>
                 <a:cs typeface="Avenir Black"/>
               </a:rPr>
-              <a:t>Sovrin Governance Framework Home Page</a:t>
+              <a:t>Governance Framework Home Page</a:t>
             </a:r>
           </a:p>
           <a:p>
@@ -4229,7 +4210,7 @@
                 <a:latin typeface="Avenir Black"/>
                 <a:cs typeface="Avenir Black"/>
               </a:rPr>
-              <a:t>Sovrin Governance Framework Master Document V2</a:t>
+              <a:t>Governance Framework Master Document V1</a:t>
             </a:r>
           </a:p>
         </p:txBody>
@@ -4288,7 +4269,7 @@
                 <a:latin typeface="Avenir Black"/>
                 <a:cs typeface="Avenir Black"/>
               </a:rPr>
-              <a:t>Sovrin Glossary</a:t>
+              <a:t>Glossary</a:t>
             </a:r>
             <a:br>
               <a:rPr lang="en-US" sz="1400" i="1" dirty="0">
@@ -4307,7 +4288,7 @@
                 <a:latin typeface="Avenir Black"/>
                 <a:cs typeface="Avenir Black"/>
               </a:rPr>
-              <a:t>V3</a:t>
+              <a:t>V1</a:t>
             </a:r>
           </a:p>
         </p:txBody>
@@ -4685,7 +4666,7 @@
             <a:pPr algn="ctr"/>
             <a:r>
               <a:rPr lang="en-US" dirty="0"/>
-              <a:t>SGF V2 Document Structure</a:t>
+              <a:t>DIBE GF V1 Document Structure</a:t>
             </a:r>
           </a:p>
         </p:txBody>
@@ -4776,7 +4757,7 @@
                 <a:latin typeface="Avenir Black"/>
                 <a:cs typeface="Avenir Black"/>
               </a:rPr>
-              <a:t>Sovrin Trust Assurance Framework V1</a:t>
+              <a:t>Trust Assurance Framework V1</a:t>
             </a:r>
           </a:p>
         </p:txBody>
@@ -5187,7 +5168,7 @@
         </p:nvSpPr>
         <p:spPr>
           <a:xfrm>
-            <a:off x="1143000" y="3314700"/>
+            <a:off x="2209800" y="3314700"/>
             <a:ext cx="6705600" cy="533400"/>
           </a:xfrm>
           <a:prstGeom prst="roundRect">
@@ -5221,7 +5202,7 @@
             <a:pPr algn="ctr"/>
             <a:r>
               <a:rPr lang="en-US" sz="2400" dirty="0"/>
-              <a:t>Sovrin Ledger</a:t>
+              <a:t>DID Ledger</a:t>
             </a:r>
           </a:p>
         </p:txBody>
@@ -5234,7 +5215,7 @@
         </p:nvSpPr>
         <p:spPr>
           <a:xfrm>
-            <a:off x="1143000" y="3848100"/>
+            <a:off x="2209800" y="3848100"/>
             <a:ext cx="1219200" cy="838200"/>
           </a:xfrm>
           <a:prstGeom prst="roundRect">
@@ -5269,8 +5250,15 @@
           <a:p>
             <a:pPr algn="ctr"/>
             <a:r>
-              <a:rPr lang="en-US" sz="2000" dirty="0"/>
-              <a:t>Steward</a:t>
+              <a:rPr lang="en-US" sz="1600" dirty="0"/>
+              <a:t>HL-Indy</a:t>
+            </a:r>
+          </a:p>
+          <a:p>
+            <a:pPr algn="ctr"/>
+            <a:r>
+              <a:rPr lang="en-US" sz="1600" dirty="0"/>
+              <a:t>Validator Node</a:t>
             </a:r>
           </a:p>
         </p:txBody>
@@ -5283,7 +5271,7 @@
         </p:nvSpPr>
         <p:spPr>
           <a:xfrm>
-            <a:off x="2514600" y="3848100"/>
+            <a:off x="3581400" y="3848100"/>
             <a:ext cx="1219200" cy="838200"/>
           </a:xfrm>
           <a:prstGeom prst="roundRect">
@@ -5316,10 +5304,25 @@
           <a:bodyPr rtlCol="0" anchor="ctr" anchorCtr="0"/>
           <a:lstStyle/>
           <a:p>
-            <a:pPr algn="ctr"/>
-            <a:r>
-              <a:rPr lang="en-US" sz="2000" dirty="0"/>
-              <a:t>Steward</a:t>
+            <a:pPr lvl="0" algn="ctr"/>
+            <a:r>
+              <a:rPr lang="en-US" sz="1600" dirty="0">
+                <a:solidFill>
+                  <a:prstClr val="white"/>
+                </a:solidFill>
+              </a:rPr>
+              <a:t>HL-Indy</a:t>
+            </a:r>
+          </a:p>
+          <a:p>
+            <a:pPr lvl="0" algn="ctr"/>
+            <a:r>
+              <a:rPr lang="en-US" sz="1600" dirty="0">
+                <a:solidFill>
+                  <a:prstClr val="white"/>
+                </a:solidFill>
+              </a:rPr>
+              <a:t>Validator Node</a:t>
             </a:r>
           </a:p>
         </p:txBody>
@@ -5332,7 +5335,7 @@
         </p:nvSpPr>
         <p:spPr>
           <a:xfrm>
-            <a:off x="3886200" y="3848100"/>
+            <a:off x="4953000" y="3848100"/>
             <a:ext cx="1219200" cy="838200"/>
           </a:xfrm>
           <a:prstGeom prst="roundRect">
@@ -5365,10 +5368,25 @@
           <a:bodyPr rtlCol="0" anchor="ctr" anchorCtr="0"/>
           <a:lstStyle/>
           <a:p>
-            <a:pPr algn="ctr"/>
-            <a:r>
-              <a:rPr lang="en-US" sz="2000" dirty="0"/>
-              <a:t>Steward</a:t>
+            <a:pPr lvl="0" algn="ctr"/>
+            <a:r>
+              <a:rPr lang="en-US" sz="1600" dirty="0">
+                <a:solidFill>
+                  <a:prstClr val="white"/>
+                </a:solidFill>
+              </a:rPr>
+              <a:t>HL-Indy</a:t>
+            </a:r>
+          </a:p>
+          <a:p>
+            <a:pPr lvl="0" algn="ctr"/>
+            <a:r>
+              <a:rPr lang="en-US" sz="1600" dirty="0">
+                <a:solidFill>
+                  <a:prstClr val="white"/>
+                </a:solidFill>
+              </a:rPr>
+              <a:t>Validator Node</a:t>
             </a:r>
           </a:p>
         </p:txBody>
@@ -5381,7 +5399,7 @@
         </p:nvSpPr>
         <p:spPr>
           <a:xfrm>
-            <a:off x="5257800" y="3848100"/>
+            <a:off x="6324600" y="3848100"/>
             <a:ext cx="1219200" cy="838200"/>
           </a:xfrm>
           <a:prstGeom prst="roundRect">
@@ -5414,10 +5432,25 @@
           <a:bodyPr rtlCol="0" anchor="ctr" anchorCtr="0"/>
           <a:lstStyle/>
           <a:p>
-            <a:pPr algn="ctr"/>
-            <a:r>
-              <a:rPr lang="en-US" sz="2000" dirty="0"/>
-              <a:t>Steward</a:t>
+            <a:pPr lvl="0" algn="ctr"/>
+            <a:r>
+              <a:rPr lang="en-US" sz="1600" dirty="0">
+                <a:solidFill>
+                  <a:prstClr val="white"/>
+                </a:solidFill>
+              </a:rPr>
+              <a:t>HL-Indy</a:t>
+            </a:r>
+          </a:p>
+          <a:p>
+            <a:pPr lvl="0" algn="ctr"/>
+            <a:r>
+              <a:rPr lang="en-US" sz="1600" dirty="0">
+                <a:solidFill>
+                  <a:prstClr val="white"/>
+                </a:solidFill>
+              </a:rPr>
+              <a:t>Validator Node</a:t>
             </a:r>
           </a:p>
         </p:txBody>
@@ -5430,7 +5463,7 @@
         </p:nvSpPr>
         <p:spPr>
           <a:xfrm>
-            <a:off x="6629400" y="3848100"/>
+            <a:off x="7696200" y="3848100"/>
             <a:ext cx="1219200" cy="838200"/>
           </a:xfrm>
           <a:prstGeom prst="roundRect">
@@ -5463,10 +5496,25 @@
           <a:bodyPr rtlCol="0" anchor="ctr" anchorCtr="0"/>
           <a:lstStyle/>
           <a:p>
-            <a:pPr algn="ctr"/>
-            <a:r>
-              <a:rPr lang="en-US" sz="2000" dirty="0"/>
-              <a:t>Steward</a:t>
+            <a:pPr lvl="0" algn="ctr"/>
+            <a:r>
+              <a:rPr lang="en-US" sz="1600" dirty="0">
+                <a:solidFill>
+                  <a:prstClr val="white"/>
+                </a:solidFill>
+              </a:rPr>
+              <a:t>HL-Indy</a:t>
+            </a:r>
+          </a:p>
+          <a:p>
+            <a:pPr lvl="0" algn="ctr"/>
+            <a:r>
+              <a:rPr lang="en-US" sz="1600" dirty="0">
+                <a:solidFill>
+                  <a:prstClr val="white"/>
+                </a:solidFill>
+              </a:rPr>
+              <a:t>Validator Node</a:t>
             </a:r>
           </a:p>
         </p:txBody>
@@ -5479,7 +5527,7 @@
         </p:nvSpPr>
         <p:spPr>
           <a:xfrm>
-            <a:off x="1295400" y="1409700"/>
+            <a:off x="2362200" y="1409700"/>
             <a:ext cx="3048000" cy="616803"/>
           </a:xfrm>
           <a:prstGeom prst="roundRect">
@@ -5526,7 +5574,7 @@
         </p:nvSpPr>
         <p:spPr>
           <a:xfrm>
-            <a:off x="1143000" y="4686300"/>
+            <a:off x="2209800" y="4686300"/>
             <a:ext cx="6705600" cy="609600"/>
           </a:xfrm>
           <a:prstGeom prst="roundRect">
@@ -5535,7 +5583,7 @@
           <a:noFill/>
           <a:ln w="19050" cmpd="sng">
             <a:solidFill>
-              <a:srgbClr val="FF6600"/>
+              <a:schemeClr val="tx1"/>
             </a:solidFill>
           </a:ln>
           <a:effectLst/>
@@ -5565,7 +5613,15 @@
                   <a:srgbClr val="F0A727"/>
                 </a:solidFill>
               </a:rPr>
-              <a:t>       Sovrin Foundation</a:t>
+              <a:t>       </a:t>
+            </a:r>
+            <a:r>
+              <a:rPr lang="en-US" sz="2400" b="1" dirty="0">
+                <a:solidFill>
+                  <a:schemeClr val="tx1"/>
+                </a:solidFill>
+              </a:rPr>
+              <a:t>DIBE Consortium Governance Framework </a:t>
             </a:r>
           </a:p>
         </p:txBody>
@@ -5578,7 +5634,7 @@
         </p:nvSpPr>
         <p:spPr>
           <a:xfrm>
-            <a:off x="1295400" y="2026503"/>
+            <a:off x="2362200" y="2026503"/>
             <a:ext cx="3048000" cy="609600"/>
           </a:xfrm>
           <a:prstGeom prst="roundRect">
@@ -5627,7 +5683,7 @@
         </p:nvCxnSpPr>
         <p:spPr>
           <a:xfrm>
-            <a:off x="4528644" y="426303"/>
+            <a:off x="5595444" y="426303"/>
             <a:ext cx="0" cy="2888397"/>
           </a:xfrm>
           <a:prstGeom prst="line">
@@ -5663,7 +5719,7 @@
         </p:nvSpPr>
         <p:spPr>
           <a:xfrm>
-            <a:off x="1295400" y="426303"/>
+            <a:off x="2362200" y="426303"/>
             <a:ext cx="3048000" cy="830997"/>
           </a:xfrm>
           <a:prstGeom prst="rect">
@@ -5702,7 +5758,7 @@
         </p:nvCxnSpPr>
         <p:spPr>
           <a:xfrm>
-            <a:off x="2819400" y="2636103"/>
+            <a:off x="3886200" y="2636103"/>
             <a:ext cx="0" cy="678597"/>
           </a:xfrm>
           <a:prstGeom prst="straightConnector1">
@@ -5736,7 +5792,7 @@
         </p:nvSpPr>
         <p:spPr>
           <a:xfrm>
-            <a:off x="4727661" y="1409700"/>
+            <a:off x="5794461" y="1409700"/>
             <a:ext cx="3048000" cy="616803"/>
           </a:xfrm>
           <a:prstGeom prst="roundRect">
@@ -5783,7 +5839,7 @@
         </p:nvSpPr>
         <p:spPr>
           <a:xfrm>
-            <a:off x="4727662" y="426303"/>
+            <a:off x="5794462" y="426303"/>
             <a:ext cx="3048000" cy="830997"/>
           </a:xfrm>
           <a:prstGeom prst="rect">
@@ -5812,72 +5868,186 @@
           </a:p>
         </p:txBody>
       </p:sp>
-      <p:cxnSp>
-        <p:nvCxnSpPr>
-          <p:cNvPr id="34" name="Straight Arrow Connector 33"/>
-          <p:cNvCxnSpPr>
-            <a:stCxn id="31" idx="2"/>
-          </p:cNvCxnSpPr>
-          <p:nvPr/>
-        </p:nvCxnSpPr>
-        <p:spPr>
-          <a:xfrm>
-            <a:off x="6251661" y="2026503"/>
-            <a:ext cx="0" cy="1288197"/>
-          </a:xfrm>
-          <a:prstGeom prst="straightConnector1">
-            <a:avLst/>
-          </a:prstGeom>
-          <a:ln w="38100" cmpd="sng">
-            <a:tailEnd type="arrow"/>
-          </a:ln>
-          <a:effectLst/>
-        </p:spPr>
-        <p:style>
-          <a:lnRef idx="2">
-            <a:schemeClr val="dk1"/>
-          </a:lnRef>
-          <a:fillRef idx="0">
-            <a:schemeClr val="dk1"/>
-          </a:fillRef>
-          <a:effectRef idx="1">
-            <a:schemeClr val="dk1"/>
-          </a:effectRef>
-          <a:fontRef idx="minor">
-            <a:schemeClr val="tx1"/>
-          </a:fontRef>
-        </p:style>
-      </p:cxnSp>
-      <p:pic>
-        <p:nvPicPr>
-          <p:cNvPr id="37" name="Picture 36" descr="sovrin-flower-logo-only.png"/>
-          <p:cNvPicPr>
-            <a:picLocks noChangeAspect="1"/>
-          </p:cNvPicPr>
-          <p:nvPr/>
-        </p:nvPicPr>
-        <p:blipFill>
-          <a:blip r:embed="rId2">
+      <p:sp>
+        <p:nvSpPr>
+          <p:cNvPr id="13" name="TextBox 12">
             <a:extLst>
-              <a:ext uri="{28A0092B-C50C-407E-A947-70E740481C1C}">
-                <a14:useLocalDpi xmlns:a14="http://schemas.microsoft.com/office/drawing/2010/main" val="0"/>
+              <a:ext uri="{FF2B5EF4-FFF2-40B4-BE49-F238E27FC236}">
+                <a16:creationId xmlns:a16="http://schemas.microsoft.com/office/drawing/2014/main" id="{F4DFA92E-A5C4-DE44-9632-975D8CDF74A0}"/>
               </a:ext>
             </a:extLst>
-          </a:blip>
-          <a:stretch>
-            <a:fillRect/>
-          </a:stretch>
-        </p:blipFill>
-        <p:spPr>
-          <a:xfrm>
-            <a:off x="3048000" y="4762500"/>
-            <a:ext cx="460268" cy="457200"/>
+          </p:cNvPr>
+          <p:cNvSpPr txBox="1"/>
+          <p:nvPr/>
+        </p:nvSpPr>
+        <p:spPr>
+          <a:xfrm>
+            <a:off x="6393228" y="-536363"/>
+            <a:ext cx="1850465" cy="4508927"/>
           </a:xfrm>
           <a:prstGeom prst="rect">
             <a:avLst/>
           </a:prstGeom>
-        </p:spPr>
-      </p:pic>
+          <a:noFill/>
+        </p:spPr>
+        <p:txBody>
+          <a:bodyPr wrap="square" rtlCol="0" anchor="t">
+            <a:spAutoFit/>
+          </a:bodyPr>
+          <a:lstStyle/>
+          <a:p>
+            <a:pPr algn="ctr"/>
+            <a:r>
+              <a:rPr lang="en-US" sz="28700" dirty="0">
+                <a:solidFill>
+                  <a:srgbClr val="FF0000"/>
+                </a:solidFill>
+              </a:rPr>
+              <a:t>X</a:t>
+            </a:r>
+          </a:p>
+        </p:txBody>
+      </p:sp>
+      <p:sp>
+        <p:nvSpPr>
+          <p:cNvPr id="9" name="TextBox 8">
+            <a:extLst>
+              <a:ext uri="{FF2B5EF4-FFF2-40B4-BE49-F238E27FC236}">
+                <a16:creationId xmlns:a16="http://schemas.microsoft.com/office/drawing/2014/main" id="{F0B86E89-C0C2-9E41-B0E2-32A3FA9F8826}"/>
+              </a:ext>
+            </a:extLst>
+          </p:cNvPr>
+          <p:cNvSpPr txBox="1"/>
+          <p:nvPr/>
+        </p:nvSpPr>
+        <p:spPr>
+          <a:xfrm>
+            <a:off x="152399" y="3759369"/>
+            <a:ext cx="2057401" cy="1015663"/>
+          </a:xfrm>
+          <a:prstGeom prst="rect">
+            <a:avLst/>
+          </a:prstGeom>
+          <a:noFill/>
+        </p:spPr>
+        <p:txBody>
+          <a:bodyPr wrap="square" rtlCol="0">
+            <a:spAutoFit/>
+          </a:bodyPr>
+          <a:lstStyle/>
+          <a:p>
+            <a:r>
+              <a:rPr lang="en-US" sz="1200" dirty="0"/>
+              <a:t>Membership Types required to run Hyperledger Indy</a:t>
+            </a:r>
+          </a:p>
+          <a:p>
+            <a:r>
+              <a:rPr lang="en-US" sz="1200" dirty="0"/>
+              <a:t>Validator Nodes:</a:t>
+            </a:r>
+          </a:p>
+          <a:p>
+            <a:pPr marL="285750" indent="-285750">
+              <a:buFont typeface="Arial" panose="020B0604020202020204" pitchFamily="34" charset="0"/>
+              <a:buChar char="•"/>
+            </a:pPr>
+            <a:r>
+              <a:rPr lang="en-US" sz="1200" dirty="0"/>
+              <a:t>Founding Stewards</a:t>
+            </a:r>
+          </a:p>
+          <a:p>
+            <a:pPr marL="285750" indent="-285750">
+              <a:buFont typeface="Arial" panose="020B0604020202020204" pitchFamily="34" charset="0"/>
+              <a:buChar char="•"/>
+            </a:pPr>
+            <a:r>
+              <a:rPr lang="en-US" sz="1200" dirty="0"/>
+              <a:t>Stewards</a:t>
+            </a:r>
+          </a:p>
+        </p:txBody>
+      </p:sp>
+      <p:sp>
+        <p:nvSpPr>
+          <p:cNvPr id="22" name="TextBox 21">
+            <a:extLst>
+              <a:ext uri="{FF2B5EF4-FFF2-40B4-BE49-F238E27FC236}">
+                <a16:creationId xmlns:a16="http://schemas.microsoft.com/office/drawing/2014/main" id="{76F57BF5-50B1-0C4A-ABFE-8751B48818D9}"/>
+              </a:ext>
+            </a:extLst>
+          </p:cNvPr>
+          <p:cNvSpPr txBox="1"/>
+          <p:nvPr/>
+        </p:nvSpPr>
+        <p:spPr>
+          <a:xfrm>
+            <a:off x="152398" y="1524506"/>
+            <a:ext cx="2057401" cy="1569660"/>
+          </a:xfrm>
+          <a:prstGeom prst="rect">
+            <a:avLst/>
+          </a:prstGeom>
+          <a:noFill/>
+        </p:spPr>
+        <p:txBody>
+          <a:bodyPr wrap="square" rtlCol="0">
+            <a:spAutoFit/>
+          </a:bodyPr>
+          <a:lstStyle/>
+          <a:p>
+            <a:r>
+              <a:rPr lang="en-US" sz="1200" dirty="0"/>
+              <a:t>Membership Types approved to perform the role of Transaction Endorser :</a:t>
+            </a:r>
+          </a:p>
+          <a:p>
+            <a:pPr marL="285750" indent="-285750">
+              <a:buFont typeface="Arial" panose="020B0604020202020204" pitchFamily="34" charset="0"/>
+              <a:buChar char="•"/>
+            </a:pPr>
+            <a:r>
+              <a:rPr lang="en-US" sz="1200" dirty="0"/>
+              <a:t>Founding Stewards</a:t>
+            </a:r>
+          </a:p>
+          <a:p>
+            <a:pPr marL="285750" indent="-285750">
+              <a:buFont typeface="Arial" panose="020B0604020202020204" pitchFamily="34" charset="0"/>
+              <a:buChar char="•"/>
+            </a:pPr>
+            <a:r>
+              <a:rPr lang="en-US" sz="1200" dirty="0"/>
+              <a:t>Stewards</a:t>
+            </a:r>
+          </a:p>
+          <a:p>
+            <a:pPr marL="285750" indent="-285750">
+              <a:buFont typeface="Arial" panose="020B0604020202020204" pitchFamily="34" charset="0"/>
+              <a:buChar char="•"/>
+            </a:pPr>
+            <a:r>
+              <a:rPr lang="en-US" sz="1200" dirty="0"/>
+              <a:t>Subscriber</a:t>
+            </a:r>
+          </a:p>
+          <a:p>
+            <a:pPr marL="285750" indent="-285750">
+              <a:buFont typeface="Arial" panose="020B0604020202020204" pitchFamily="34" charset="0"/>
+              <a:buChar char="•"/>
+            </a:pPr>
+            <a:endParaRPr lang="en-US" sz="1200" dirty="0"/>
+          </a:p>
+          <a:p>
+            <a:pPr marL="285750" indent="-285750">
+              <a:buFont typeface="Arial" panose="020B0604020202020204" pitchFamily="34" charset="0"/>
+              <a:buChar char="•"/>
+            </a:pPr>
+            <a:endParaRPr lang="en-US" sz="1200" dirty="0"/>
+          </a:p>
+        </p:txBody>
+      </p:sp>
     </p:spTree>
     <p:extLst>
       <p:ext uri="{BB962C8B-B14F-4D97-AF65-F5344CB8AC3E}">
@@ -5916,8 +6086,8 @@
         </p:nvSpPr>
         <p:spPr>
           <a:xfrm>
-            <a:off x="4648200" y="125951"/>
-            <a:ext cx="2200273" cy="3660787"/>
+            <a:off x="4648199" y="125951"/>
+            <a:ext cx="4300039" cy="3660787"/>
           </a:xfrm>
           <a:prstGeom prst="rect">
             <a:avLst/>
@@ -5958,22 +6128,20 @@
       </p:sp>
       <p:sp>
         <p:nvSpPr>
-          <p:cNvPr id="28" name="Rectangle 27"/>
+          <p:cNvPr id="3" name="Rounded Rectangle 2"/>
           <p:cNvSpPr/>
           <p:nvPr/>
         </p:nvSpPr>
         <p:spPr>
           <a:xfrm>
-            <a:off x="6825156" y="125951"/>
-            <a:ext cx="2133600" cy="3660787"/>
-          </a:xfrm>
-          <a:prstGeom prst="rect">
+            <a:off x="4648200" y="5037704"/>
+            <a:ext cx="4310556" cy="533400"/>
+          </a:xfrm>
+          <a:prstGeom prst="roundRect">
             <a:avLst/>
           </a:prstGeom>
           <a:solidFill>
-            <a:srgbClr val="FFFF00">
-              <a:alpha val="11000"/>
-            </a:srgbClr>
+            <a:srgbClr val="FF6600"/>
           </a:solidFill>
           <a:ln>
             <a:noFill/>
@@ -5994,32 +6162,235 @@
           </a:fontRef>
         </p:style>
         <p:txBody>
-          <a:bodyPr rtlCol="0" anchor="ctr"/>
+          <a:bodyPr rtlCol="0" anchor="ctr" anchorCtr="0"/>
           <a:lstStyle/>
           <a:p>
             <a:pPr algn="ctr"/>
-            <a:endParaRPr lang="en-US"/>
+            <a:r>
+              <a:rPr lang="en-US" sz="2000" dirty="0"/>
+              <a:t>DID Ledger</a:t>
+            </a:r>
+          </a:p>
+        </p:txBody>
+      </p:sp>
+      <p:sp>
+        <p:nvSpPr>
+          <p:cNvPr id="8" name="Rounded Rectangle 7"/>
+          <p:cNvSpPr/>
+          <p:nvPr/>
+        </p:nvSpPr>
+        <p:spPr>
+          <a:xfrm>
+            <a:off x="4648200" y="3786738"/>
+            <a:ext cx="4310556" cy="647659"/>
+          </a:xfrm>
+          <a:prstGeom prst="roundRect">
+            <a:avLst/>
+          </a:prstGeom>
+          <a:solidFill>
+            <a:schemeClr val="accent1">
+              <a:lumMod val="75000"/>
+            </a:schemeClr>
+          </a:solidFill>
+          <a:ln>
+            <a:noFill/>
+          </a:ln>
+        </p:spPr>
+        <p:style>
+          <a:lnRef idx="1">
+            <a:schemeClr val="accent1"/>
+          </a:lnRef>
+          <a:fillRef idx="3">
+            <a:schemeClr val="accent1"/>
+          </a:fillRef>
+          <a:effectRef idx="2">
+            <a:schemeClr val="accent1"/>
+          </a:effectRef>
+          <a:fontRef idx="minor">
+            <a:schemeClr val="lt1"/>
+          </a:fontRef>
+        </p:style>
+        <p:txBody>
+          <a:bodyPr rtlCol="0" anchor="ctr" anchorCtr="0"/>
+          <a:lstStyle/>
+          <a:p>
+            <a:pPr algn="ctr"/>
+            <a:r>
+              <a:rPr lang="en-US" b="1" dirty="0"/>
+              <a:t>Stewards </a:t>
+            </a:r>
+            <a:br>
+              <a:rPr lang="en-US" b="1" dirty="0"/>
+            </a:br>
+            <a:r>
+              <a:rPr lang="en-US" sz="1600" dirty="0"/>
+              <a:t>(acting collectively as the Steward pool)</a:t>
+            </a:r>
+          </a:p>
+        </p:txBody>
+      </p:sp>
+      <p:sp>
+        <p:nvSpPr>
+          <p:cNvPr id="11" name="Rounded Rectangle 10"/>
+          <p:cNvSpPr/>
+          <p:nvPr/>
+        </p:nvSpPr>
+        <p:spPr>
+          <a:xfrm>
+            <a:off x="195756" y="887950"/>
+            <a:ext cx="1600200" cy="3556815"/>
+          </a:xfrm>
+          <a:prstGeom prst="roundRect">
+            <a:avLst>
+              <a:gd name="adj" fmla="val 13832"/>
+            </a:avLst>
+          </a:prstGeom>
+          <a:solidFill>
+            <a:srgbClr val="39A539"/>
+          </a:solidFill>
+          <a:ln w="19050" cmpd="sng">
+            <a:noFill/>
+          </a:ln>
+          <a:effectLst/>
+        </p:spPr>
+        <p:style>
+          <a:lnRef idx="1">
+            <a:schemeClr val="accent1"/>
+          </a:lnRef>
+          <a:fillRef idx="3">
+            <a:schemeClr val="accent1"/>
+          </a:fillRef>
+          <a:effectRef idx="2">
+            <a:schemeClr val="accent1"/>
+          </a:effectRef>
+          <a:fontRef idx="minor">
+            <a:schemeClr val="lt1"/>
+          </a:fontRef>
+        </p:style>
+        <p:txBody>
+          <a:bodyPr rtlCol="0" anchor="ctr" anchorCtr="0"/>
+          <a:lstStyle/>
+          <a:p>
+            <a:pPr algn="ctr"/>
+            <a:r>
+              <a:rPr lang="en-US" b="1" dirty="0">
+                <a:solidFill>
+                  <a:schemeClr val="bg1"/>
+                </a:solidFill>
+              </a:rPr>
+              <a:t>DIBE Consortium</a:t>
+            </a:r>
+          </a:p>
+          <a:p>
+            <a:pPr algn="ctr"/>
+            <a:r>
+              <a:rPr lang="en-US" sz="1600" dirty="0">
+                <a:solidFill>
+                  <a:schemeClr val="bg1"/>
+                </a:solidFill>
+              </a:rPr>
+              <a:t>(Designated Data Controller)</a:t>
+            </a:r>
+          </a:p>
+        </p:txBody>
+      </p:sp>
+      <p:sp>
+        <p:nvSpPr>
+          <p:cNvPr id="12" name="Rounded Rectangle 11"/>
+          <p:cNvSpPr/>
+          <p:nvPr/>
+        </p:nvSpPr>
+        <p:spPr>
+          <a:xfrm>
+            <a:off x="4648200" y="2338871"/>
+            <a:ext cx="4300038" cy="682680"/>
+          </a:xfrm>
+          <a:prstGeom prst="roundRect">
+            <a:avLst/>
+          </a:prstGeom>
+          <a:solidFill>
+            <a:srgbClr val="376092"/>
+          </a:solidFill>
+          <a:ln>
+            <a:noFill/>
+          </a:ln>
+        </p:spPr>
+        <p:style>
+          <a:lnRef idx="1">
+            <a:schemeClr val="accent1"/>
+          </a:lnRef>
+          <a:fillRef idx="3">
+            <a:schemeClr val="accent1"/>
+          </a:fillRef>
+          <a:effectRef idx="2">
+            <a:schemeClr val="accent1"/>
+          </a:effectRef>
+          <a:fontRef idx="minor">
+            <a:schemeClr val="lt1"/>
+          </a:fontRef>
+        </p:style>
+        <p:txBody>
+          <a:bodyPr rtlCol="0" anchor="ctr" anchorCtr="0"/>
+          <a:lstStyle/>
+          <a:p>
+            <a:pPr algn="ctr"/>
+            <a:r>
+              <a:rPr lang="en-US" b="1" dirty="0"/>
+              <a:t>Transaction Endorsers</a:t>
+            </a:r>
+          </a:p>
+        </p:txBody>
+      </p:sp>
+      <p:sp>
+        <p:nvSpPr>
+          <p:cNvPr id="20" name="TextBox 19"/>
+          <p:cNvSpPr txBox="1"/>
+          <p:nvPr/>
+        </p:nvSpPr>
+        <p:spPr>
+          <a:xfrm>
+            <a:off x="4655551" y="226975"/>
+            <a:ext cx="4300037" cy="338554"/>
+          </a:xfrm>
+          <a:prstGeom prst="rect">
+            <a:avLst/>
+          </a:prstGeom>
+          <a:noFill/>
+        </p:spPr>
+        <p:txBody>
+          <a:bodyPr wrap="square" rtlCol="0">
+            <a:spAutoFit/>
+          </a:bodyPr>
+          <a:lstStyle/>
+          <a:p>
+            <a:pPr algn="ctr"/>
+            <a:r>
+              <a:rPr lang="en-US" sz="1600" dirty="0"/>
+              <a:t>Permissioned Write Access</a:t>
+            </a:r>
           </a:p>
         </p:txBody>
       </p:sp>
       <p:cxnSp>
         <p:nvCxnSpPr>
-          <p:cNvPr id="16" name="Straight Connector 15"/>
-          <p:cNvCxnSpPr/>
+          <p:cNvPr id="25" name="Straight Arrow Connector 24"/>
+          <p:cNvCxnSpPr>
+            <a:cxnSpLocks/>
+            <a:stCxn id="12" idx="2"/>
+            <a:endCxn id="8" idx="0"/>
+          </p:cNvCxnSpPr>
           <p:nvPr/>
         </p:nvCxnSpPr>
         <p:spPr>
           <a:xfrm>
-            <a:off x="6825156" y="125951"/>
-            <a:ext cx="0" cy="3887794"/>
-          </a:xfrm>
-          <a:prstGeom prst="line">
-            <a:avLst/>
-          </a:prstGeom>
-          <a:ln w="28575" cmpd="sng">
-            <a:prstDash val="lgDash"/>
-            <a:headEnd type="none"/>
-            <a:tailEnd type="none"/>
+            <a:off x="6798219" y="3021551"/>
+            <a:ext cx="5259" cy="765187"/>
+          </a:xfrm>
+          <a:prstGeom prst="straightConnector1">
+            <a:avLst/>
+          </a:prstGeom>
+          <a:ln w="38100" cmpd="sng">
+            <a:tailEnd type="arrow"/>
           </a:ln>
           <a:effectLst/>
         </p:spPr>
@@ -6040,20 +6411,20 @@
       </p:cxnSp>
       <p:sp>
         <p:nvSpPr>
-          <p:cNvPr id="3" name="Rounded Rectangle 2"/>
+          <p:cNvPr id="31" name="Rounded Rectangle 30"/>
           <p:cNvSpPr/>
           <p:nvPr/>
         </p:nvSpPr>
         <p:spPr>
           <a:xfrm>
-            <a:off x="4648200" y="5037704"/>
-            <a:ext cx="4310556" cy="533400"/>
+            <a:off x="4655552" y="565529"/>
+            <a:ext cx="4303204" cy="1019440"/>
           </a:xfrm>
           <a:prstGeom prst="roundRect">
             <a:avLst/>
           </a:prstGeom>
           <a:solidFill>
-            <a:srgbClr val="FF6600"/>
+            <a:srgbClr val="39A539"/>
           </a:solidFill>
           <a:ln>
             <a:noFill/>
@@ -6079,229 +6450,40 @@
           <a:p>
             <a:pPr algn="ctr"/>
             <a:r>
-              <a:rPr lang="en-US" sz="2000" dirty="0"/>
-              <a:t>Sovrin Ledger</a:t>
-            </a:r>
-          </a:p>
-        </p:txBody>
-      </p:sp>
-      <p:sp>
-        <p:nvSpPr>
-          <p:cNvPr id="8" name="Rounded Rectangle 7"/>
-          <p:cNvSpPr/>
-          <p:nvPr/>
-        </p:nvSpPr>
-        <p:spPr>
-          <a:xfrm>
-            <a:off x="4648200" y="3786738"/>
-            <a:ext cx="4310556" cy="647659"/>
-          </a:xfrm>
-          <a:prstGeom prst="roundRect">
-            <a:avLst/>
-          </a:prstGeom>
-          <a:solidFill>
-            <a:schemeClr val="accent1">
-              <a:lumMod val="75000"/>
-            </a:schemeClr>
-          </a:solidFill>
-          <a:ln>
-            <a:noFill/>
-          </a:ln>
-        </p:spPr>
-        <p:style>
-          <a:lnRef idx="1">
-            <a:schemeClr val="accent1"/>
-          </a:lnRef>
-          <a:fillRef idx="3">
-            <a:schemeClr val="accent1"/>
-          </a:fillRef>
-          <a:effectRef idx="2">
-            <a:schemeClr val="accent1"/>
-          </a:effectRef>
-          <a:fontRef idx="minor">
-            <a:schemeClr val="lt1"/>
-          </a:fontRef>
-        </p:style>
-        <p:txBody>
-          <a:bodyPr rtlCol="0" anchor="ctr" anchorCtr="0"/>
-          <a:lstStyle/>
+              <a:rPr lang="en-US" b="1" dirty="0"/>
+              <a:t>Transaction Authors</a:t>
+            </a:r>
+            <a:br>
+              <a:rPr lang="en-US" dirty="0"/>
+            </a:br>
+            <a:r>
+              <a:rPr lang="en-US" sz="1600" dirty="0"/>
+              <a:t>(Primary Data Controllers)</a:t>
+            </a:r>
+          </a:p>
           <a:p>
             <a:pPr algn="ctr"/>
-            <a:r>
-              <a:rPr lang="en-US" b="1" dirty="0"/>
-              <a:t>Stewards </a:t>
-            </a:r>
-            <a:br>
-              <a:rPr lang="en-US" b="1" dirty="0"/>
-            </a:br>
-            <a:r>
-              <a:rPr lang="en-US" sz="1600" dirty="0"/>
-              <a:t>(acting collectively as the Steward pool)</a:t>
-            </a:r>
-          </a:p>
-        </p:txBody>
-      </p:sp>
-      <p:sp>
-        <p:nvSpPr>
-          <p:cNvPr id="11" name="Rounded Rectangle 10"/>
-          <p:cNvSpPr/>
-          <p:nvPr/>
-        </p:nvSpPr>
-        <p:spPr>
-          <a:xfrm>
-            <a:off x="195756" y="887950"/>
-            <a:ext cx="1600200" cy="3556815"/>
-          </a:xfrm>
-          <a:prstGeom prst="roundRect">
-            <a:avLst>
-              <a:gd name="adj" fmla="val 13832"/>
-            </a:avLst>
-          </a:prstGeom>
-          <a:solidFill>
-            <a:srgbClr val="39A539"/>
-          </a:solidFill>
-          <a:ln w="19050" cmpd="sng">
-            <a:noFill/>
-          </a:ln>
-          <a:effectLst/>
-        </p:spPr>
-        <p:style>
-          <a:lnRef idx="1">
-            <a:schemeClr val="accent1"/>
-          </a:lnRef>
-          <a:fillRef idx="3">
-            <a:schemeClr val="accent1"/>
-          </a:fillRef>
-          <a:effectRef idx="2">
-            <a:schemeClr val="accent1"/>
-          </a:effectRef>
-          <a:fontRef idx="minor">
-            <a:schemeClr val="lt1"/>
-          </a:fontRef>
-        </p:style>
-        <p:txBody>
-          <a:bodyPr rtlCol="0" anchor="ctr" anchorCtr="0"/>
-          <a:lstStyle/>
+            <a:endParaRPr lang="en-US" sz="1600" dirty="0"/>
+          </a:p>
           <a:p>
             <a:pPr algn="ctr"/>
-            <a:r>
-              <a:rPr lang="en-US" b="1" dirty="0">
-                <a:solidFill>
-                  <a:schemeClr val="bg1"/>
-                </a:solidFill>
-              </a:rPr>
-              <a:t>Sovrin Foundation</a:t>
-            </a:r>
-          </a:p>
-          <a:p>
-            <a:pPr algn="ctr"/>
-            <a:r>
-              <a:rPr lang="en-US" sz="1600" dirty="0">
-                <a:solidFill>
-                  <a:schemeClr val="bg1"/>
-                </a:solidFill>
-              </a:rPr>
-              <a:t>(Designated Data Controller)</a:t>
-            </a:r>
-          </a:p>
-        </p:txBody>
-      </p:sp>
-      <p:sp>
-        <p:nvSpPr>
-          <p:cNvPr id="12" name="Rounded Rectangle 11"/>
-          <p:cNvSpPr/>
-          <p:nvPr/>
-        </p:nvSpPr>
-        <p:spPr>
-          <a:xfrm>
-            <a:off x="4648200" y="2338871"/>
-            <a:ext cx="2155278" cy="682680"/>
-          </a:xfrm>
-          <a:prstGeom prst="roundRect">
-            <a:avLst/>
-          </a:prstGeom>
-          <a:solidFill>
-            <a:srgbClr val="376092"/>
-          </a:solidFill>
-          <a:ln>
-            <a:noFill/>
-          </a:ln>
-        </p:spPr>
-        <p:style>
-          <a:lnRef idx="1">
-            <a:schemeClr val="accent1"/>
-          </a:lnRef>
-          <a:fillRef idx="3">
-            <a:schemeClr val="accent1"/>
-          </a:fillRef>
-          <a:effectRef idx="2">
-            <a:schemeClr val="accent1"/>
-          </a:effectRef>
-          <a:fontRef idx="minor">
-            <a:schemeClr val="lt1"/>
-          </a:fontRef>
-        </p:style>
-        <p:txBody>
-          <a:bodyPr rtlCol="0" anchor="ctr" anchorCtr="0"/>
-          <a:lstStyle/>
-          <a:p>
-            <a:pPr algn="ctr"/>
-            <a:r>
-              <a:rPr lang="en-US" b="1" dirty="0"/>
-              <a:t>Transaction Endorsers</a:t>
-            </a:r>
-          </a:p>
-        </p:txBody>
-      </p:sp>
-      <p:sp>
-        <p:nvSpPr>
-          <p:cNvPr id="20" name="TextBox 19"/>
-          <p:cNvSpPr txBox="1"/>
-          <p:nvPr/>
-        </p:nvSpPr>
-        <p:spPr>
-          <a:xfrm>
-            <a:off x="4655552" y="226975"/>
-            <a:ext cx="2154364" cy="584776"/>
-          </a:xfrm>
-          <a:prstGeom prst="rect">
-            <a:avLst/>
-          </a:prstGeom>
-          <a:noFill/>
-        </p:spPr>
-        <p:txBody>
-          <a:bodyPr wrap="square" rtlCol="0">
-            <a:spAutoFit/>
-          </a:bodyPr>
-          <a:lstStyle/>
-          <a:p>
-            <a:pPr algn="ctr"/>
-            <a:r>
-              <a:rPr lang="en-US" sz="1600" dirty="0"/>
-              <a:t>Permissioned </a:t>
-            </a:r>
-            <a:br>
-              <a:rPr lang="en-US" sz="1600" dirty="0"/>
-            </a:br>
-            <a:r>
-              <a:rPr lang="en-US" sz="1600" dirty="0"/>
-              <a:t>Write Access</a:t>
-            </a:r>
+            <a:endParaRPr lang="en-US" sz="1600" dirty="0"/>
           </a:p>
         </p:txBody>
       </p:sp>
       <p:cxnSp>
         <p:nvCxnSpPr>
-          <p:cNvPr id="25" name="Straight Arrow Connector 24"/>
+          <p:cNvPr id="29" name="Straight Arrow Connector 28"/>
           <p:cNvCxnSpPr>
-            <a:stCxn id="12" idx="2"/>
+            <a:cxnSpLocks/>
+            <a:endCxn id="12" idx="0"/>
           </p:cNvCxnSpPr>
           <p:nvPr/>
         </p:nvCxnSpPr>
         <p:spPr>
           <a:xfrm>
-            <a:off x="5725839" y="3021551"/>
-            <a:ext cx="0" cy="799205"/>
+            <a:off x="6798219" y="1641853"/>
+            <a:ext cx="0" cy="697018"/>
           </a:xfrm>
           <a:prstGeom prst="straightConnector1">
             <a:avLst/>
@@ -6328,24 +6510,18 @@
       </p:cxnSp>
       <p:sp>
         <p:nvSpPr>
-          <p:cNvPr id="31" name="Rounded Rectangle 30"/>
+          <p:cNvPr id="26" name="Left-Right Arrow 25"/>
           <p:cNvSpPr/>
           <p:nvPr/>
         </p:nvSpPr>
         <p:spPr>
           <a:xfrm>
-            <a:off x="4655552" y="887951"/>
-            <a:ext cx="4303204" cy="697018"/>
-          </a:xfrm>
-          <a:prstGeom prst="roundRect">
-            <a:avLst/>
-          </a:prstGeom>
-          <a:solidFill>
-            <a:srgbClr val="39A539"/>
-          </a:solidFill>
-          <a:ln>
-            <a:noFill/>
-          </a:ln>
+            <a:off x="1795956" y="1097046"/>
+            <a:ext cx="2852244" cy="304800"/>
+          </a:xfrm>
+          <a:prstGeom prst="leftRightArrow">
+            <a:avLst/>
+          </a:prstGeom>
         </p:spPr>
         <p:style>
           <a:lnRef idx="1">
@@ -6362,34 +6538,381 @@
           </a:fontRef>
         </p:style>
         <p:txBody>
-          <a:bodyPr rtlCol="0" anchor="ctr" anchorCtr="0"/>
+          <a:bodyPr rtlCol="0" anchor="ctr"/>
           <a:lstStyle/>
           <a:p>
             <a:pPr algn="ctr"/>
-            <a:r>
-              <a:rPr lang="en-US" b="1" dirty="0"/>
-              <a:t>Transaction Authors</a:t>
-            </a:r>
-            <a:br>
-              <a:rPr lang="en-US" dirty="0"/>
-            </a:br>
-            <a:r>
-              <a:rPr lang="en-US" sz="1600" dirty="0"/>
-              <a:t>(Primary Data Controllers)</a:t>
-            </a:r>
-          </a:p>
-        </p:txBody>
-      </p:sp>
-      <p:sp>
-        <p:nvSpPr>
-          <p:cNvPr id="33" name="TextBox 32"/>
+            <a:endParaRPr lang="en-US"/>
+          </a:p>
+        </p:txBody>
+      </p:sp>
+      <p:sp>
+        <p:nvSpPr>
+          <p:cNvPr id="35" name="Left-Right Arrow 34"/>
+          <p:cNvSpPr/>
+          <p:nvPr/>
+        </p:nvSpPr>
+        <p:spPr>
+          <a:xfrm>
+            <a:off x="1795956" y="2533507"/>
+            <a:ext cx="2852244" cy="304800"/>
+          </a:xfrm>
+          <a:prstGeom prst="leftRightArrow">
+            <a:avLst/>
+          </a:prstGeom>
+        </p:spPr>
+        <p:style>
+          <a:lnRef idx="1">
+            <a:schemeClr val="accent1"/>
+          </a:lnRef>
+          <a:fillRef idx="3">
+            <a:schemeClr val="accent1"/>
+          </a:fillRef>
+          <a:effectRef idx="2">
+            <a:schemeClr val="accent1"/>
+          </a:effectRef>
+          <a:fontRef idx="minor">
+            <a:schemeClr val="lt1"/>
+          </a:fontRef>
+        </p:style>
+        <p:txBody>
+          <a:bodyPr rtlCol="0" anchor="ctr"/>
+          <a:lstStyle/>
+          <a:p>
+            <a:pPr algn="ctr"/>
+            <a:endParaRPr lang="en-US"/>
+          </a:p>
+        </p:txBody>
+      </p:sp>
+      <p:sp>
+        <p:nvSpPr>
+          <p:cNvPr id="36" name="Left-Right Arrow 35"/>
+          <p:cNvSpPr/>
+          <p:nvPr/>
+        </p:nvSpPr>
+        <p:spPr>
+          <a:xfrm>
+            <a:off x="1795956" y="3978160"/>
+            <a:ext cx="2852244" cy="304800"/>
+          </a:xfrm>
+          <a:prstGeom prst="leftRightArrow">
+            <a:avLst/>
+          </a:prstGeom>
+        </p:spPr>
+        <p:style>
+          <a:lnRef idx="1">
+            <a:schemeClr val="accent1"/>
+          </a:lnRef>
+          <a:fillRef idx="3">
+            <a:schemeClr val="accent1"/>
+          </a:fillRef>
+          <a:effectRef idx="2">
+            <a:schemeClr val="accent1"/>
+          </a:effectRef>
+          <a:fontRef idx="minor">
+            <a:schemeClr val="lt1"/>
+          </a:fontRef>
+        </p:style>
+        <p:txBody>
+          <a:bodyPr rtlCol="0" anchor="ctr"/>
+          <a:lstStyle/>
+          <a:p>
+            <a:pPr algn="ctr"/>
+            <a:endParaRPr lang="en-US"/>
+          </a:p>
+        </p:txBody>
+      </p:sp>
+      <p:sp>
+        <p:nvSpPr>
+          <p:cNvPr id="27" name="Folded Corner 26"/>
+          <p:cNvSpPr/>
+          <p:nvPr/>
+        </p:nvSpPr>
+        <p:spPr>
+          <a:xfrm>
+            <a:off x="2764500" y="761402"/>
+            <a:ext cx="914400" cy="990599"/>
+          </a:xfrm>
+          <a:prstGeom prst="foldedCorner">
+            <a:avLst/>
+          </a:prstGeom>
+          <a:solidFill>
+            <a:schemeClr val="accent6">
+              <a:lumMod val="20000"/>
+              <a:lumOff val="80000"/>
+            </a:schemeClr>
+          </a:solidFill>
+          <a:ln>
+            <a:noFill/>
+          </a:ln>
+        </p:spPr>
+        <p:style>
+          <a:lnRef idx="1">
+            <a:schemeClr val="accent1"/>
+          </a:lnRef>
+          <a:fillRef idx="3">
+            <a:schemeClr val="accent1"/>
+          </a:fillRef>
+          <a:effectRef idx="2">
+            <a:schemeClr val="accent1"/>
+          </a:effectRef>
+          <a:fontRef idx="minor">
+            <a:schemeClr val="lt1"/>
+          </a:fontRef>
+        </p:style>
+        <p:txBody>
+          <a:bodyPr lIns="0" rIns="0" rtlCol="0" anchor="ctr"/>
+          <a:lstStyle/>
+          <a:p>
+            <a:pPr algn="ctr"/>
+            <a:r>
+              <a:rPr lang="en-US" sz="1200" dirty="0">
+                <a:solidFill>
+                  <a:srgbClr val="000090"/>
+                </a:solidFill>
+              </a:rPr>
+              <a:t>Transaction Author Agreement</a:t>
+            </a:r>
+          </a:p>
+        </p:txBody>
+      </p:sp>
+      <p:sp>
+        <p:nvSpPr>
+          <p:cNvPr id="38" name="Folded Corner 37"/>
+          <p:cNvSpPr/>
+          <p:nvPr/>
+        </p:nvSpPr>
+        <p:spPr>
+          <a:xfrm>
+            <a:off x="3301080" y="2190607"/>
+            <a:ext cx="914400" cy="990599"/>
+          </a:xfrm>
+          <a:prstGeom prst="foldedCorner">
+            <a:avLst/>
+          </a:prstGeom>
+          <a:solidFill>
+            <a:schemeClr val="accent6">
+              <a:lumMod val="20000"/>
+              <a:lumOff val="80000"/>
+            </a:schemeClr>
+          </a:solidFill>
+          <a:ln>
+            <a:noFill/>
+          </a:ln>
+        </p:spPr>
+        <p:style>
+          <a:lnRef idx="1">
+            <a:schemeClr val="accent1"/>
+          </a:lnRef>
+          <a:fillRef idx="3">
+            <a:schemeClr val="accent1"/>
+          </a:fillRef>
+          <a:effectRef idx="2">
+            <a:schemeClr val="accent1"/>
+          </a:effectRef>
+          <a:fontRef idx="minor">
+            <a:schemeClr val="lt1"/>
+          </a:fontRef>
+        </p:style>
+        <p:txBody>
+          <a:bodyPr lIns="0" rIns="0" rtlCol="0" anchor="ctr"/>
+          <a:lstStyle/>
+          <a:p>
+            <a:pPr algn="ctr"/>
+            <a:r>
+              <a:rPr lang="en-US" sz="1200" dirty="0">
+                <a:solidFill>
+                  <a:srgbClr val="000090"/>
+                </a:solidFill>
+              </a:rPr>
+              <a:t>Data Processing Agreement</a:t>
+            </a:r>
+          </a:p>
+        </p:txBody>
+      </p:sp>
+      <p:sp>
+        <p:nvSpPr>
+          <p:cNvPr id="39" name="Folded Corner 38"/>
+          <p:cNvSpPr/>
+          <p:nvPr/>
+        </p:nvSpPr>
+        <p:spPr>
+          <a:xfrm>
+            <a:off x="2234280" y="2190607"/>
+            <a:ext cx="914400" cy="990599"/>
+          </a:xfrm>
+          <a:prstGeom prst="foldedCorner">
+            <a:avLst/>
+          </a:prstGeom>
+          <a:solidFill>
+            <a:schemeClr val="accent6">
+              <a:lumMod val="20000"/>
+              <a:lumOff val="80000"/>
+            </a:schemeClr>
+          </a:solidFill>
+          <a:ln>
+            <a:noFill/>
+          </a:ln>
+        </p:spPr>
+        <p:style>
+          <a:lnRef idx="1">
+            <a:schemeClr val="accent1"/>
+          </a:lnRef>
+          <a:fillRef idx="3">
+            <a:schemeClr val="accent1"/>
+          </a:fillRef>
+          <a:effectRef idx="2">
+            <a:schemeClr val="accent1"/>
+          </a:effectRef>
+          <a:fontRef idx="minor">
+            <a:schemeClr val="lt1"/>
+          </a:fontRef>
+        </p:style>
+        <p:txBody>
+          <a:bodyPr lIns="0" rIns="0" rtlCol="0" anchor="ctr"/>
+          <a:lstStyle/>
+          <a:p>
+            <a:pPr algn="ctr"/>
+            <a:r>
+              <a:rPr lang="en-US" sz="1200" dirty="0">
+                <a:solidFill>
+                  <a:srgbClr val="000090"/>
+                </a:solidFill>
+              </a:rPr>
+              <a:t>Transaction Endorser Agreement</a:t>
+            </a:r>
+          </a:p>
+        </p:txBody>
+      </p:sp>
+      <p:sp>
+        <p:nvSpPr>
+          <p:cNvPr id="42" name="Folded Corner 41"/>
+          <p:cNvSpPr/>
+          <p:nvPr/>
+        </p:nvSpPr>
+        <p:spPr>
+          <a:xfrm>
+            <a:off x="3301080" y="3635260"/>
+            <a:ext cx="914400" cy="990599"/>
+          </a:xfrm>
+          <a:prstGeom prst="foldedCorner">
+            <a:avLst/>
+          </a:prstGeom>
+          <a:solidFill>
+            <a:schemeClr val="accent6">
+              <a:lumMod val="20000"/>
+              <a:lumOff val="80000"/>
+            </a:schemeClr>
+          </a:solidFill>
+          <a:ln>
+            <a:noFill/>
+          </a:ln>
+        </p:spPr>
+        <p:style>
+          <a:lnRef idx="1">
+            <a:schemeClr val="accent1"/>
+          </a:lnRef>
+          <a:fillRef idx="3">
+            <a:schemeClr val="accent1"/>
+          </a:fillRef>
+          <a:effectRef idx="2">
+            <a:schemeClr val="accent1"/>
+          </a:effectRef>
+          <a:fontRef idx="minor">
+            <a:schemeClr val="lt1"/>
+          </a:fontRef>
+        </p:style>
+        <p:txBody>
+          <a:bodyPr lIns="0" rIns="0" rtlCol="0" anchor="ctr"/>
+          <a:lstStyle/>
+          <a:p>
+            <a:pPr algn="ctr"/>
+            <a:r>
+              <a:rPr lang="en-US" sz="1200" dirty="0">
+                <a:solidFill>
+                  <a:srgbClr val="000090"/>
+                </a:solidFill>
+              </a:rPr>
+              <a:t>Data Processing Agreement</a:t>
+            </a:r>
+          </a:p>
+        </p:txBody>
+      </p:sp>
+      <p:sp>
+        <p:nvSpPr>
+          <p:cNvPr id="43" name="Folded Corner 42"/>
+          <p:cNvSpPr/>
+          <p:nvPr/>
+        </p:nvSpPr>
+        <p:spPr>
+          <a:xfrm>
+            <a:off x="2234280" y="3635260"/>
+            <a:ext cx="914400" cy="990599"/>
+          </a:xfrm>
+          <a:prstGeom prst="foldedCorner">
+            <a:avLst/>
+          </a:prstGeom>
+          <a:solidFill>
+            <a:schemeClr val="accent6">
+              <a:lumMod val="20000"/>
+              <a:lumOff val="80000"/>
+            </a:schemeClr>
+          </a:solidFill>
+          <a:ln>
+            <a:noFill/>
+          </a:ln>
+        </p:spPr>
+        <p:style>
+          <a:lnRef idx="1">
+            <a:schemeClr val="accent1"/>
+          </a:lnRef>
+          <a:fillRef idx="3">
+            <a:schemeClr val="accent1"/>
+          </a:fillRef>
+          <a:effectRef idx="2">
+            <a:schemeClr val="accent1"/>
+          </a:effectRef>
+          <a:fontRef idx="minor">
+            <a:schemeClr val="lt1"/>
+          </a:fontRef>
+        </p:style>
+        <p:txBody>
+          <a:bodyPr lIns="0" rIns="0" rtlCol="0" anchor="ctr"/>
+          <a:lstStyle/>
+          <a:p>
+            <a:pPr algn="ctr"/>
+            <a:r>
+              <a:rPr lang="en-US" sz="1200" dirty="0">
+                <a:solidFill>
+                  <a:srgbClr val="000090"/>
+                </a:solidFill>
+              </a:rPr>
+              <a:t>DIBE </a:t>
+            </a:r>
+          </a:p>
+          <a:p>
+            <a:pPr algn="ctr"/>
+            <a:r>
+              <a:rPr lang="en-US" sz="1200" dirty="0">
+                <a:solidFill>
+                  <a:srgbClr val="000090"/>
+                </a:solidFill>
+              </a:rPr>
+              <a:t>Member Agreement</a:t>
+            </a:r>
+          </a:p>
+        </p:txBody>
+      </p:sp>
+      <p:sp>
+        <p:nvSpPr>
+          <p:cNvPr id="30" name="TextBox 29"/>
           <p:cNvSpPr txBox="1"/>
           <p:nvPr/>
         </p:nvSpPr>
         <p:spPr>
           <a:xfrm>
-            <a:off x="6825156" y="219772"/>
-            <a:ext cx="2133600" cy="584776"/>
+            <a:off x="5758356" y="1717985"/>
+            <a:ext cx="914400" cy="461665"/>
           </a:xfrm>
           <a:prstGeom prst="rect">
             <a:avLst/>
@@ -6402,31 +6925,26 @@
           </a:bodyPr>
           <a:lstStyle/>
           <a:p>
-            <a:pPr algn="ctr"/>
-            <a:r>
-              <a:rPr lang="en-US" sz="1600" dirty="0"/>
-              <a:t>Public </a:t>
-            </a:r>
-            <a:br>
-              <a:rPr lang="en-US" sz="1600" dirty="0"/>
-            </a:br>
-            <a:r>
-              <a:rPr lang="en-US" sz="1600" dirty="0"/>
-              <a:t>Write Access</a:t>
+            <a:r>
+              <a:rPr lang="en-US" sz="1200" dirty="0"/>
+              <a:t>Submits Transaction</a:t>
             </a:r>
           </a:p>
         </p:txBody>
       </p:sp>
       <p:cxnSp>
         <p:nvCxnSpPr>
-          <p:cNvPr id="34" name="Straight Arrow Connector 33"/>
-          <p:cNvCxnSpPr/>
+          <p:cNvPr id="44" name="Straight Arrow Connector 43"/>
+          <p:cNvCxnSpPr>
+            <a:stCxn id="8" idx="2"/>
+            <a:endCxn id="3" idx="0"/>
+          </p:cNvCxnSpPr>
           <p:nvPr/>
         </p:nvCxnSpPr>
         <p:spPr>
           <a:xfrm>
-            <a:off x="7891956" y="1584969"/>
-            <a:ext cx="0" cy="2198582"/>
+            <a:off x="6803478" y="4434397"/>
+            <a:ext cx="0" cy="603307"/>
           </a:xfrm>
           <a:prstGeom prst="straightConnector1">
             <a:avLst/>
@@ -6451,465 +6969,15 @@
           </a:fontRef>
         </p:style>
       </p:cxnSp>
-      <p:pic>
-        <p:nvPicPr>
-          <p:cNvPr id="37" name="Picture 36" descr="sovrin-flower-logo-only.png"/>
-          <p:cNvPicPr>
-            <a:picLocks noChangeAspect="1"/>
-          </p:cNvPicPr>
-          <p:nvPr/>
-        </p:nvPicPr>
-        <p:blipFill>
-          <a:blip r:embed="rId2">
-            <a:extLst>
-              <a:ext uri="{28A0092B-C50C-407E-A947-70E740481C1C}">
-                <a14:useLocalDpi xmlns:a14="http://schemas.microsoft.com/office/drawing/2010/main" val="0"/>
-              </a:ext>
-            </a:extLst>
-          </a:blip>
-          <a:stretch>
-            <a:fillRect/>
-          </a:stretch>
-        </p:blipFill>
-        <p:spPr>
-          <a:xfrm>
-            <a:off x="782676" y="1489385"/>
-            <a:ext cx="460268" cy="457200"/>
-          </a:xfrm>
-          <a:prstGeom prst="rect">
-            <a:avLst/>
-          </a:prstGeom>
-        </p:spPr>
-      </p:pic>
-      <p:cxnSp>
-        <p:nvCxnSpPr>
-          <p:cNvPr id="29" name="Straight Arrow Connector 28"/>
-          <p:cNvCxnSpPr>
-            <a:endCxn id="12" idx="0"/>
-          </p:cNvCxnSpPr>
-          <p:nvPr/>
-        </p:nvCxnSpPr>
-        <p:spPr>
-          <a:xfrm flipH="1">
-            <a:off x="5725839" y="1584969"/>
-            <a:ext cx="10840" cy="753902"/>
-          </a:xfrm>
-          <a:prstGeom prst="straightConnector1">
-            <a:avLst/>
-          </a:prstGeom>
-          <a:ln w="38100" cmpd="sng">
-            <a:tailEnd type="arrow"/>
-          </a:ln>
-          <a:effectLst/>
-        </p:spPr>
-        <p:style>
-          <a:lnRef idx="2">
-            <a:schemeClr val="dk1"/>
-          </a:lnRef>
-          <a:fillRef idx="0">
-            <a:schemeClr val="dk1"/>
-          </a:fillRef>
-          <a:effectRef idx="1">
-            <a:schemeClr val="dk1"/>
-          </a:effectRef>
-          <a:fontRef idx="minor">
-            <a:schemeClr val="tx1"/>
-          </a:fontRef>
-        </p:style>
-      </p:cxnSp>
-      <p:sp>
-        <p:nvSpPr>
-          <p:cNvPr id="26" name="Left-Right Arrow 25"/>
-          <p:cNvSpPr/>
-          <p:nvPr/>
-        </p:nvSpPr>
-        <p:spPr>
-          <a:xfrm>
-            <a:off x="1795956" y="1097046"/>
-            <a:ext cx="2852244" cy="304800"/>
-          </a:xfrm>
-          <a:prstGeom prst="leftRightArrow">
-            <a:avLst/>
-          </a:prstGeom>
-        </p:spPr>
-        <p:style>
-          <a:lnRef idx="1">
-            <a:schemeClr val="accent1"/>
-          </a:lnRef>
-          <a:fillRef idx="3">
-            <a:schemeClr val="accent1"/>
-          </a:fillRef>
-          <a:effectRef idx="2">
-            <a:schemeClr val="accent1"/>
-          </a:effectRef>
-          <a:fontRef idx="minor">
-            <a:schemeClr val="lt1"/>
-          </a:fontRef>
-        </p:style>
-        <p:txBody>
-          <a:bodyPr rtlCol="0" anchor="ctr"/>
-          <a:lstStyle/>
-          <a:p>
-            <a:pPr algn="ctr"/>
-            <a:endParaRPr lang="en-US"/>
-          </a:p>
-        </p:txBody>
-      </p:sp>
-      <p:sp>
-        <p:nvSpPr>
-          <p:cNvPr id="35" name="Left-Right Arrow 34"/>
-          <p:cNvSpPr/>
-          <p:nvPr/>
-        </p:nvSpPr>
-        <p:spPr>
-          <a:xfrm>
-            <a:off x="1795956" y="2533507"/>
-            <a:ext cx="2852244" cy="304800"/>
-          </a:xfrm>
-          <a:prstGeom prst="leftRightArrow">
-            <a:avLst/>
-          </a:prstGeom>
-        </p:spPr>
-        <p:style>
-          <a:lnRef idx="1">
-            <a:schemeClr val="accent1"/>
-          </a:lnRef>
-          <a:fillRef idx="3">
-            <a:schemeClr val="accent1"/>
-          </a:fillRef>
-          <a:effectRef idx="2">
-            <a:schemeClr val="accent1"/>
-          </a:effectRef>
-          <a:fontRef idx="minor">
-            <a:schemeClr val="lt1"/>
-          </a:fontRef>
-        </p:style>
-        <p:txBody>
-          <a:bodyPr rtlCol="0" anchor="ctr"/>
-          <a:lstStyle/>
-          <a:p>
-            <a:pPr algn="ctr"/>
-            <a:endParaRPr lang="en-US"/>
-          </a:p>
-        </p:txBody>
-      </p:sp>
-      <p:sp>
-        <p:nvSpPr>
-          <p:cNvPr id="36" name="Left-Right Arrow 35"/>
-          <p:cNvSpPr/>
-          <p:nvPr/>
-        </p:nvSpPr>
-        <p:spPr>
-          <a:xfrm>
-            <a:off x="1795956" y="3978160"/>
-            <a:ext cx="2852244" cy="304800"/>
-          </a:xfrm>
-          <a:prstGeom prst="leftRightArrow">
-            <a:avLst/>
-          </a:prstGeom>
-        </p:spPr>
-        <p:style>
-          <a:lnRef idx="1">
-            <a:schemeClr val="accent1"/>
-          </a:lnRef>
-          <a:fillRef idx="3">
-            <a:schemeClr val="accent1"/>
-          </a:fillRef>
-          <a:effectRef idx="2">
-            <a:schemeClr val="accent1"/>
-          </a:effectRef>
-          <a:fontRef idx="minor">
-            <a:schemeClr val="lt1"/>
-          </a:fontRef>
-        </p:style>
-        <p:txBody>
-          <a:bodyPr rtlCol="0" anchor="ctr"/>
-          <a:lstStyle/>
-          <a:p>
-            <a:pPr algn="ctr"/>
-            <a:endParaRPr lang="en-US"/>
-          </a:p>
-        </p:txBody>
-      </p:sp>
-      <p:sp>
-        <p:nvSpPr>
-          <p:cNvPr id="27" name="Folded Corner 26"/>
-          <p:cNvSpPr/>
-          <p:nvPr/>
-        </p:nvSpPr>
-        <p:spPr>
-          <a:xfrm>
-            <a:off x="2764500" y="761402"/>
-            <a:ext cx="914400" cy="990599"/>
-          </a:xfrm>
-          <a:prstGeom prst="foldedCorner">
-            <a:avLst/>
-          </a:prstGeom>
-          <a:solidFill>
-            <a:schemeClr val="accent6">
-              <a:lumMod val="20000"/>
-              <a:lumOff val="80000"/>
-            </a:schemeClr>
-          </a:solidFill>
-          <a:ln>
-            <a:noFill/>
-          </a:ln>
-        </p:spPr>
-        <p:style>
-          <a:lnRef idx="1">
-            <a:schemeClr val="accent1"/>
-          </a:lnRef>
-          <a:fillRef idx="3">
-            <a:schemeClr val="accent1"/>
-          </a:fillRef>
-          <a:effectRef idx="2">
-            <a:schemeClr val="accent1"/>
-          </a:effectRef>
-          <a:fontRef idx="minor">
-            <a:schemeClr val="lt1"/>
-          </a:fontRef>
-        </p:style>
-        <p:txBody>
-          <a:bodyPr lIns="0" rIns="0" rtlCol="0" anchor="ctr"/>
-          <a:lstStyle/>
-          <a:p>
-            <a:pPr algn="ctr"/>
-            <a:r>
-              <a:rPr lang="en-US" sz="1200" dirty="0">
-                <a:solidFill>
-                  <a:srgbClr val="000090"/>
-                </a:solidFill>
-              </a:rPr>
-              <a:t>Transaction Author Agreement</a:t>
-            </a:r>
-          </a:p>
-        </p:txBody>
-      </p:sp>
-      <p:sp>
-        <p:nvSpPr>
-          <p:cNvPr id="38" name="Folded Corner 37"/>
-          <p:cNvSpPr/>
-          <p:nvPr/>
-        </p:nvSpPr>
-        <p:spPr>
-          <a:xfrm>
-            <a:off x="3301080" y="2190607"/>
-            <a:ext cx="914400" cy="990599"/>
-          </a:xfrm>
-          <a:prstGeom prst="foldedCorner">
-            <a:avLst/>
-          </a:prstGeom>
-          <a:solidFill>
-            <a:schemeClr val="accent6">
-              <a:lumMod val="20000"/>
-              <a:lumOff val="80000"/>
-            </a:schemeClr>
-          </a:solidFill>
-          <a:ln>
-            <a:noFill/>
-          </a:ln>
-        </p:spPr>
-        <p:style>
-          <a:lnRef idx="1">
-            <a:schemeClr val="accent1"/>
-          </a:lnRef>
-          <a:fillRef idx="3">
-            <a:schemeClr val="accent1"/>
-          </a:fillRef>
-          <a:effectRef idx="2">
-            <a:schemeClr val="accent1"/>
-          </a:effectRef>
-          <a:fontRef idx="minor">
-            <a:schemeClr val="lt1"/>
-          </a:fontRef>
-        </p:style>
-        <p:txBody>
-          <a:bodyPr lIns="0" rIns="0" rtlCol="0" anchor="ctr"/>
-          <a:lstStyle/>
-          <a:p>
-            <a:pPr algn="ctr"/>
-            <a:r>
-              <a:rPr lang="en-US" sz="1200" dirty="0">
-                <a:solidFill>
-                  <a:srgbClr val="000090"/>
-                </a:solidFill>
-              </a:rPr>
-              <a:t>Data Processing Agreement</a:t>
-            </a:r>
-          </a:p>
-        </p:txBody>
-      </p:sp>
-      <p:sp>
-        <p:nvSpPr>
-          <p:cNvPr id="39" name="Folded Corner 38"/>
-          <p:cNvSpPr/>
-          <p:nvPr/>
-        </p:nvSpPr>
-        <p:spPr>
-          <a:xfrm>
-            <a:off x="2234280" y="2190607"/>
-            <a:ext cx="914400" cy="990599"/>
-          </a:xfrm>
-          <a:prstGeom prst="foldedCorner">
-            <a:avLst/>
-          </a:prstGeom>
-          <a:solidFill>
-            <a:schemeClr val="accent6">
-              <a:lumMod val="20000"/>
-              <a:lumOff val="80000"/>
-            </a:schemeClr>
-          </a:solidFill>
-          <a:ln>
-            <a:noFill/>
-          </a:ln>
-        </p:spPr>
-        <p:style>
-          <a:lnRef idx="1">
-            <a:schemeClr val="accent1"/>
-          </a:lnRef>
-          <a:fillRef idx="3">
-            <a:schemeClr val="accent1"/>
-          </a:fillRef>
-          <a:effectRef idx="2">
-            <a:schemeClr val="accent1"/>
-          </a:effectRef>
-          <a:fontRef idx="minor">
-            <a:schemeClr val="lt1"/>
-          </a:fontRef>
-        </p:style>
-        <p:txBody>
-          <a:bodyPr lIns="0" rIns="0" rtlCol="0" anchor="ctr"/>
-          <a:lstStyle/>
-          <a:p>
-            <a:pPr algn="ctr"/>
-            <a:r>
-              <a:rPr lang="en-US" sz="1200" dirty="0">
-                <a:solidFill>
-                  <a:srgbClr val="000090"/>
-                </a:solidFill>
-              </a:rPr>
-              <a:t>Transaction Endorser Agreement</a:t>
-            </a:r>
-          </a:p>
-        </p:txBody>
-      </p:sp>
-      <p:sp>
-        <p:nvSpPr>
-          <p:cNvPr id="42" name="Folded Corner 41"/>
-          <p:cNvSpPr/>
-          <p:nvPr/>
-        </p:nvSpPr>
-        <p:spPr>
-          <a:xfrm>
-            <a:off x="3301080" y="3635260"/>
-            <a:ext cx="914400" cy="990599"/>
-          </a:xfrm>
-          <a:prstGeom prst="foldedCorner">
-            <a:avLst/>
-          </a:prstGeom>
-          <a:solidFill>
-            <a:schemeClr val="accent6">
-              <a:lumMod val="20000"/>
-              <a:lumOff val="80000"/>
-            </a:schemeClr>
-          </a:solidFill>
-          <a:ln>
-            <a:noFill/>
-          </a:ln>
-        </p:spPr>
-        <p:style>
-          <a:lnRef idx="1">
-            <a:schemeClr val="accent1"/>
-          </a:lnRef>
-          <a:fillRef idx="3">
-            <a:schemeClr val="accent1"/>
-          </a:fillRef>
-          <a:effectRef idx="2">
-            <a:schemeClr val="accent1"/>
-          </a:effectRef>
-          <a:fontRef idx="minor">
-            <a:schemeClr val="lt1"/>
-          </a:fontRef>
-        </p:style>
-        <p:txBody>
-          <a:bodyPr lIns="0" rIns="0" rtlCol="0" anchor="ctr"/>
-          <a:lstStyle/>
-          <a:p>
-            <a:pPr algn="ctr"/>
-            <a:r>
-              <a:rPr lang="en-US" sz="1200" dirty="0">
-                <a:solidFill>
-                  <a:srgbClr val="000090"/>
-                </a:solidFill>
-              </a:rPr>
-              <a:t>Data Processing Agreement</a:t>
-            </a:r>
-          </a:p>
-        </p:txBody>
-      </p:sp>
-      <p:sp>
-        <p:nvSpPr>
-          <p:cNvPr id="43" name="Folded Corner 42"/>
-          <p:cNvSpPr/>
-          <p:nvPr/>
-        </p:nvSpPr>
-        <p:spPr>
-          <a:xfrm>
-            <a:off x="2234280" y="3635260"/>
-            <a:ext cx="914400" cy="990599"/>
-          </a:xfrm>
-          <a:prstGeom prst="foldedCorner">
-            <a:avLst/>
-          </a:prstGeom>
-          <a:solidFill>
-            <a:schemeClr val="accent6">
-              <a:lumMod val="20000"/>
-              <a:lumOff val="80000"/>
-            </a:schemeClr>
-          </a:solidFill>
-          <a:ln>
-            <a:noFill/>
-          </a:ln>
-        </p:spPr>
-        <p:style>
-          <a:lnRef idx="1">
-            <a:schemeClr val="accent1"/>
-          </a:lnRef>
-          <a:fillRef idx="3">
-            <a:schemeClr val="accent1"/>
-          </a:fillRef>
-          <a:effectRef idx="2">
-            <a:schemeClr val="accent1"/>
-          </a:effectRef>
-          <a:fontRef idx="minor">
-            <a:schemeClr val="lt1"/>
-          </a:fontRef>
-        </p:style>
-        <p:txBody>
-          <a:bodyPr lIns="0" rIns="0" rtlCol="0" anchor="ctr"/>
-          <a:lstStyle/>
-          <a:p>
-            <a:pPr algn="ctr"/>
-            <a:r>
-              <a:rPr lang="en-US" sz="1200" dirty="0">
-                <a:solidFill>
-                  <a:srgbClr val="000090"/>
-                </a:solidFill>
-              </a:rPr>
-              <a:t>Sovrin Steward Agreement</a:t>
-            </a:r>
-          </a:p>
-        </p:txBody>
-      </p:sp>
-      <p:sp>
-        <p:nvSpPr>
-          <p:cNvPr id="30" name="TextBox 29"/>
+      <p:sp>
+        <p:nvSpPr>
+          <p:cNvPr id="45" name="TextBox 44"/>
           <p:cNvSpPr txBox="1"/>
           <p:nvPr/>
         </p:nvSpPr>
         <p:spPr>
           <a:xfrm>
-            <a:off x="5758356" y="1717985"/>
+            <a:off x="5758356" y="3124814"/>
             <a:ext cx="914400" cy="461665"/>
           </a:xfrm>
           <a:prstGeom prst="rect">
@@ -6925,57 +6993,20 @@
           <a:p>
             <a:r>
               <a:rPr lang="en-US" sz="1200" dirty="0"/>
-              <a:t>Submits Transaction</a:t>
-            </a:r>
-          </a:p>
-        </p:txBody>
-      </p:sp>
-      <p:cxnSp>
-        <p:nvCxnSpPr>
-          <p:cNvPr id="44" name="Straight Arrow Connector 43"/>
-          <p:cNvCxnSpPr>
-            <a:stCxn id="8" idx="2"/>
-            <a:endCxn id="3" idx="0"/>
-          </p:cNvCxnSpPr>
-          <p:nvPr/>
-        </p:nvCxnSpPr>
-        <p:spPr>
-          <a:xfrm>
-            <a:off x="6803478" y="4434397"/>
-            <a:ext cx="0" cy="603307"/>
-          </a:xfrm>
-          <a:prstGeom prst="straightConnector1">
-            <a:avLst/>
-          </a:prstGeom>
-          <a:ln w="38100" cmpd="sng">
-            <a:tailEnd type="arrow"/>
-          </a:ln>
-          <a:effectLst/>
-        </p:spPr>
-        <p:style>
-          <a:lnRef idx="2">
-            <a:schemeClr val="dk1"/>
-          </a:lnRef>
-          <a:fillRef idx="0">
-            <a:schemeClr val="dk1"/>
-          </a:fillRef>
-          <a:effectRef idx="1">
-            <a:schemeClr val="dk1"/>
-          </a:effectRef>
-          <a:fontRef idx="minor">
-            <a:schemeClr val="tx1"/>
-          </a:fontRef>
-        </p:style>
-      </p:cxnSp>
-      <p:sp>
-        <p:nvSpPr>
-          <p:cNvPr id="45" name="TextBox 44"/>
+              <a:t>Endorses Transaction</a:t>
+            </a:r>
+          </a:p>
+        </p:txBody>
+      </p:sp>
+      <p:sp>
+        <p:nvSpPr>
+          <p:cNvPr id="46" name="TextBox 45"/>
           <p:cNvSpPr txBox="1"/>
           <p:nvPr/>
         </p:nvSpPr>
         <p:spPr>
           <a:xfrm>
-            <a:off x="5758356" y="3124814"/>
+            <a:off x="6809916" y="4444766"/>
             <a:ext cx="914400" cy="461665"/>
           </a:xfrm>
           <a:prstGeom prst="rect">
@@ -6991,65 +7022,7 @@
           <a:p>
             <a:r>
               <a:rPr lang="en-US" sz="1200" dirty="0"/>
-              <a:t>Endorses Transaction</a:t>
-            </a:r>
-          </a:p>
-        </p:txBody>
-      </p:sp>
-      <p:sp>
-        <p:nvSpPr>
-          <p:cNvPr id="46" name="TextBox 45"/>
-          <p:cNvSpPr txBox="1"/>
-          <p:nvPr/>
-        </p:nvSpPr>
-        <p:spPr>
-          <a:xfrm>
-            <a:off x="6809916" y="4444766"/>
-            <a:ext cx="914400" cy="461665"/>
-          </a:xfrm>
-          <a:prstGeom prst="rect">
-            <a:avLst/>
-          </a:prstGeom>
-          <a:noFill/>
-        </p:spPr>
-        <p:txBody>
-          <a:bodyPr wrap="square" rtlCol="0">
-            <a:spAutoFit/>
-          </a:bodyPr>
-          <a:lstStyle/>
-          <a:p>
-            <a:r>
-              <a:rPr lang="en-US" sz="1200" dirty="0"/>
               <a:t>Writes Transaction</a:t>
-            </a:r>
-          </a:p>
-        </p:txBody>
-      </p:sp>
-      <p:sp>
-        <p:nvSpPr>
-          <p:cNvPr id="47" name="TextBox 46"/>
-          <p:cNvSpPr txBox="1"/>
-          <p:nvPr/>
-        </p:nvSpPr>
-        <p:spPr>
-          <a:xfrm>
-            <a:off x="7891956" y="2401517"/>
-            <a:ext cx="914400" cy="461665"/>
-          </a:xfrm>
-          <a:prstGeom prst="rect">
-            <a:avLst/>
-          </a:prstGeom>
-          <a:noFill/>
-        </p:spPr>
-        <p:txBody>
-          <a:bodyPr wrap="square" rtlCol="0">
-            <a:spAutoFit/>
-          </a:bodyPr>
-          <a:lstStyle/>
-          <a:p>
-            <a:r>
-              <a:rPr lang="en-US" sz="1200" dirty="0"/>
-              <a:t>Submits Transaction</a:t>
             </a:r>
           </a:p>
         </p:txBody>
@@ -7062,7 +7035,7 @@
         </p:nvSpPr>
         <p:spPr>
           <a:xfrm>
-            <a:off x="357696" y="4881195"/>
+            <a:off x="357696" y="4717144"/>
             <a:ext cx="228600" cy="228600"/>
           </a:xfrm>
           <a:prstGeom prst="rect">
@@ -7106,7 +7079,7 @@
         </p:nvSpPr>
         <p:spPr>
           <a:xfrm>
-            <a:off x="602616" y="4850351"/>
+            <a:off x="549720" y="4714101"/>
             <a:ext cx="1202880" cy="276999"/>
           </a:xfrm>
           <a:prstGeom prst="rect">
@@ -7135,7 +7108,7 @@
         </p:nvSpPr>
         <p:spPr>
           <a:xfrm>
-            <a:off x="357696" y="5175109"/>
+            <a:off x="357696" y="5011058"/>
             <a:ext cx="228600" cy="228600"/>
           </a:xfrm>
           <a:prstGeom prst="rect">
@@ -7181,7 +7154,7 @@
         </p:nvSpPr>
         <p:spPr>
           <a:xfrm>
-            <a:off x="602616" y="5144265"/>
+            <a:off x="549720" y="4991100"/>
             <a:ext cx="1202880" cy="276999"/>
           </a:xfrm>
           <a:prstGeom prst="rect">
@@ -7202,36 +7175,253 @@
           </a:p>
         </p:txBody>
       </p:sp>
-      <p:pic>
-        <p:nvPicPr>
-          <p:cNvPr id="66" name="Picture 65" descr="sovrin-flower-logo-only.png"/>
-          <p:cNvPicPr>
-            <a:picLocks noChangeAspect="1"/>
-          </p:cNvPicPr>
-          <p:nvPr/>
-        </p:nvPicPr>
-        <p:blipFill>
-          <a:blip r:embed="rId2">
+      <p:sp>
+        <p:nvSpPr>
+          <p:cNvPr id="7" name="Rounded Rectangle 6">
             <a:extLst>
-              <a:ext uri="{28A0092B-C50C-407E-A947-70E740481C1C}">
-                <a14:useLocalDpi xmlns:a14="http://schemas.microsoft.com/office/drawing/2010/main" val="0"/>
+              <a:ext uri="{FF2B5EF4-FFF2-40B4-BE49-F238E27FC236}">
+                <a16:creationId xmlns:a16="http://schemas.microsoft.com/office/drawing/2014/main" id="{D24EBB2E-2BF1-0B4D-ACA4-4A642424BF90}"/>
               </a:ext>
             </a:extLst>
-          </a:blip>
-          <a:stretch>
-            <a:fillRect/>
-          </a:stretch>
-        </p:blipFill>
-        <p:spPr>
-          <a:xfrm>
-            <a:off x="5539874" y="5079136"/>
-            <a:ext cx="460268" cy="457200"/>
+          </p:cNvPr>
+          <p:cNvSpPr/>
+          <p:nvPr/>
+        </p:nvSpPr>
+        <p:spPr>
+          <a:xfrm>
+            <a:off x="7561464" y="1128203"/>
+            <a:ext cx="961192" cy="304800"/>
+          </a:xfrm>
+          <a:prstGeom prst="roundRect">
+            <a:avLst/>
+          </a:prstGeom>
+          <a:solidFill>
+            <a:schemeClr val="accent4"/>
+          </a:solidFill>
+          <a:ln>
+            <a:noFill/>
+          </a:ln>
+        </p:spPr>
+        <p:style>
+          <a:lnRef idx="1">
+            <a:schemeClr val="accent1"/>
+          </a:lnRef>
+          <a:fillRef idx="3">
+            <a:schemeClr val="accent1"/>
+          </a:fillRef>
+          <a:effectRef idx="2">
+            <a:schemeClr val="accent1"/>
+          </a:effectRef>
+          <a:fontRef idx="minor">
+            <a:schemeClr val="lt1"/>
+          </a:fontRef>
+        </p:style>
+        <p:txBody>
+          <a:bodyPr rtlCol="0" anchor="ctr"/>
+          <a:lstStyle/>
+          <a:p>
+            <a:pPr algn="ctr"/>
+            <a:r>
+              <a:rPr lang="en-US" sz="1600" dirty="0"/>
+              <a:t>Verifier</a:t>
+            </a:r>
+            <a:endParaRPr lang="en-US" dirty="0"/>
+          </a:p>
+        </p:txBody>
+      </p:sp>
+      <p:sp>
+        <p:nvSpPr>
+          <p:cNvPr id="40" name="Rectangle 39">
+            <a:extLst>
+              <a:ext uri="{FF2B5EF4-FFF2-40B4-BE49-F238E27FC236}">
+                <a16:creationId xmlns:a16="http://schemas.microsoft.com/office/drawing/2014/main" id="{8D13C349-B576-704A-AF6B-DED98F45CA69}"/>
+              </a:ext>
+            </a:extLst>
+          </p:cNvPr>
+          <p:cNvSpPr/>
+          <p:nvPr/>
+        </p:nvSpPr>
+        <p:spPr>
+          <a:xfrm>
+            <a:off x="357696" y="5332238"/>
+            <a:ext cx="228600" cy="228600"/>
           </a:xfrm>
           <a:prstGeom prst="rect">
             <a:avLst/>
           </a:prstGeom>
-        </p:spPr>
-      </p:pic>
+          <a:solidFill>
+            <a:schemeClr val="accent4"/>
+          </a:solidFill>
+          <a:ln>
+            <a:noFill/>
+          </a:ln>
+        </p:spPr>
+        <p:style>
+          <a:lnRef idx="1">
+            <a:schemeClr val="accent1"/>
+          </a:lnRef>
+          <a:fillRef idx="3">
+            <a:schemeClr val="accent1"/>
+          </a:fillRef>
+          <a:effectRef idx="2">
+            <a:schemeClr val="accent1"/>
+          </a:effectRef>
+          <a:fontRef idx="minor">
+            <a:schemeClr val="lt1"/>
+          </a:fontRef>
+        </p:style>
+        <p:txBody>
+          <a:bodyPr rtlCol="0" anchor="ctr"/>
+          <a:lstStyle/>
+          <a:p>
+            <a:pPr algn="ctr"/>
+            <a:endParaRPr lang="en-US"/>
+          </a:p>
+        </p:txBody>
+      </p:sp>
+      <p:sp>
+        <p:nvSpPr>
+          <p:cNvPr id="41" name="TextBox 40">
+            <a:extLst>
+              <a:ext uri="{FF2B5EF4-FFF2-40B4-BE49-F238E27FC236}">
+                <a16:creationId xmlns:a16="http://schemas.microsoft.com/office/drawing/2014/main" id="{81F7C996-0A51-4248-A3EE-21EC9F194D85}"/>
+              </a:ext>
+            </a:extLst>
+          </p:cNvPr>
+          <p:cNvSpPr txBox="1"/>
+          <p:nvPr/>
+        </p:nvSpPr>
+        <p:spPr>
+          <a:xfrm>
+            <a:off x="549720" y="5313455"/>
+            <a:ext cx="2345880" cy="276999"/>
+          </a:xfrm>
+          <a:prstGeom prst="rect">
+            <a:avLst/>
+          </a:prstGeom>
+          <a:noFill/>
+        </p:spPr>
+        <p:txBody>
+          <a:bodyPr wrap="square" rtlCol="0">
+            <a:spAutoFit/>
+          </a:bodyPr>
+          <a:lstStyle/>
+          <a:p>
+            <a:r>
+              <a:rPr lang="en-US" sz="1200" dirty="0"/>
+              <a:t>Example Ecosystem Users</a:t>
+            </a:r>
+          </a:p>
+        </p:txBody>
+      </p:sp>
+      <p:sp>
+        <p:nvSpPr>
+          <p:cNvPr id="48" name="Rounded Rectangle 47">
+            <a:extLst>
+              <a:ext uri="{FF2B5EF4-FFF2-40B4-BE49-F238E27FC236}">
+                <a16:creationId xmlns:a16="http://schemas.microsoft.com/office/drawing/2014/main" id="{73270079-987B-864C-BA34-41DC8899F17B}"/>
+              </a:ext>
+            </a:extLst>
+          </p:cNvPr>
+          <p:cNvSpPr/>
+          <p:nvPr/>
+        </p:nvSpPr>
+        <p:spPr>
+          <a:xfrm>
+            <a:off x="5033320" y="1138027"/>
+            <a:ext cx="961192" cy="304800"/>
+          </a:xfrm>
+          <a:prstGeom prst="roundRect">
+            <a:avLst/>
+          </a:prstGeom>
+          <a:solidFill>
+            <a:schemeClr val="accent4"/>
+          </a:solidFill>
+          <a:ln>
+            <a:noFill/>
+          </a:ln>
+        </p:spPr>
+        <p:style>
+          <a:lnRef idx="1">
+            <a:schemeClr val="accent1"/>
+          </a:lnRef>
+          <a:fillRef idx="3">
+            <a:schemeClr val="accent1"/>
+          </a:fillRef>
+          <a:effectRef idx="2">
+            <a:schemeClr val="accent1"/>
+          </a:effectRef>
+          <a:fontRef idx="minor">
+            <a:schemeClr val="lt1"/>
+          </a:fontRef>
+        </p:style>
+        <p:txBody>
+          <a:bodyPr rtlCol="0" anchor="ctr"/>
+          <a:lstStyle/>
+          <a:p>
+            <a:pPr algn="ctr"/>
+            <a:r>
+              <a:rPr lang="en-US" sz="1600" dirty="0"/>
+              <a:t>Issuer</a:t>
+            </a:r>
+            <a:endParaRPr lang="en-US" dirty="0"/>
+          </a:p>
+        </p:txBody>
+      </p:sp>
+      <p:sp>
+        <p:nvSpPr>
+          <p:cNvPr id="49" name="Rounded Rectangle 48">
+            <a:extLst>
+              <a:ext uri="{FF2B5EF4-FFF2-40B4-BE49-F238E27FC236}">
+                <a16:creationId xmlns:a16="http://schemas.microsoft.com/office/drawing/2014/main" id="{3C4E641E-8712-5C4E-B14F-B6741B391586}"/>
+              </a:ext>
+            </a:extLst>
+          </p:cNvPr>
+          <p:cNvSpPr/>
+          <p:nvPr/>
+        </p:nvSpPr>
+        <p:spPr>
+          <a:xfrm>
+            <a:off x="6297392" y="1137394"/>
+            <a:ext cx="961192" cy="304800"/>
+          </a:xfrm>
+          <a:prstGeom prst="roundRect">
+            <a:avLst/>
+          </a:prstGeom>
+          <a:solidFill>
+            <a:schemeClr val="accent4"/>
+          </a:solidFill>
+          <a:ln>
+            <a:noFill/>
+          </a:ln>
+        </p:spPr>
+        <p:style>
+          <a:lnRef idx="1">
+            <a:schemeClr val="accent1"/>
+          </a:lnRef>
+          <a:fillRef idx="3">
+            <a:schemeClr val="accent1"/>
+          </a:fillRef>
+          <a:effectRef idx="2">
+            <a:schemeClr val="accent1"/>
+          </a:effectRef>
+          <a:fontRef idx="minor">
+            <a:schemeClr val="lt1"/>
+          </a:fontRef>
+        </p:style>
+        <p:txBody>
+          <a:bodyPr rtlCol="0" anchor="ctr"/>
+          <a:lstStyle/>
+          <a:p>
+            <a:pPr algn="ctr"/>
+            <a:r>
+              <a:rPr lang="en-US" sz="1600" dirty="0"/>
+              <a:t>Holder</a:t>
+            </a:r>
+            <a:endParaRPr lang="en-US" dirty="0"/>
+          </a:p>
+        </p:txBody>
+      </p:sp>
     </p:spTree>
     <p:extLst>
       <p:ext uri="{BB962C8B-B14F-4D97-AF65-F5344CB8AC3E}">

--- a/sbu/_docdev/images/sbu-legal-architecture-diagrams.pptx
+++ b/sbu/_docdev/images/sbu-legal-architecture-diagrams.pptx
@@ -6086,8 +6086,8 @@
         </p:nvSpPr>
         <p:spPr>
           <a:xfrm>
-            <a:off x="4648199" y="125951"/>
-            <a:ext cx="4300039" cy="3660787"/>
+            <a:off x="5247281" y="125951"/>
+            <a:ext cx="3700957" cy="3660787"/>
           </a:xfrm>
           <a:prstGeom prst="rect">
             <a:avLst/>
@@ -6134,8 +6134,8 @@
         </p:nvSpPr>
         <p:spPr>
           <a:xfrm>
-            <a:off x="4648200" y="5037704"/>
-            <a:ext cx="4310556" cy="533400"/>
+            <a:off x="5257800" y="5037704"/>
+            <a:ext cx="3700956" cy="533400"/>
           </a:xfrm>
           <a:prstGeom prst="roundRect">
             <a:avLst/>
@@ -6181,8 +6181,8 @@
         </p:nvSpPr>
         <p:spPr>
           <a:xfrm>
-            <a:off x="4648200" y="3786738"/>
-            <a:ext cx="4310556" cy="647659"/>
+            <a:off x="5257800" y="3786738"/>
+            <a:ext cx="3700956" cy="647659"/>
           </a:xfrm>
           <a:prstGeom prst="roundRect">
             <a:avLst/>
@@ -6238,7 +6238,7 @@
         <p:spPr>
           <a:xfrm>
             <a:off x="195756" y="887950"/>
-            <a:ext cx="1600200" cy="3556815"/>
+            <a:ext cx="1415670" cy="3556815"/>
           </a:xfrm>
           <a:prstGeom prst="roundRect">
             <a:avLst>
@@ -6302,8 +6302,8 @@
         </p:nvSpPr>
         <p:spPr>
           <a:xfrm>
-            <a:off x="4648200" y="2338871"/>
-            <a:ext cx="4300038" cy="682680"/>
+            <a:off x="5257800" y="2338871"/>
+            <a:ext cx="3690438" cy="682680"/>
           </a:xfrm>
           <a:prstGeom prst="roundRect">
             <a:avLst/>
@@ -6349,8 +6349,8 @@
         </p:nvSpPr>
         <p:spPr>
           <a:xfrm>
-            <a:off x="4655551" y="226975"/>
-            <a:ext cx="4300037" cy="338554"/>
+            <a:off x="5265150" y="226975"/>
+            <a:ext cx="3690438" cy="338554"/>
           </a:xfrm>
           <a:prstGeom prst="rect">
             <a:avLst/>
@@ -6383,7 +6383,7 @@
         </p:nvCxnSpPr>
         <p:spPr>
           <a:xfrm>
-            <a:off x="6798219" y="3021551"/>
+            <a:off x="7103019" y="3021551"/>
             <a:ext cx="5259" cy="765187"/>
           </a:xfrm>
           <a:prstGeom prst="straightConnector1">
@@ -6417,8 +6417,8 @@
         </p:nvSpPr>
         <p:spPr>
           <a:xfrm>
-            <a:off x="4655552" y="565529"/>
-            <a:ext cx="4303204" cy="1019440"/>
+            <a:off x="5257798" y="565529"/>
+            <a:ext cx="3700957" cy="1019440"/>
           </a:xfrm>
           <a:prstGeom prst="roundRect">
             <a:avLst/>
@@ -6482,8 +6482,8 @@
         </p:nvCxnSpPr>
         <p:spPr>
           <a:xfrm>
-            <a:off x="6798219" y="1641853"/>
-            <a:ext cx="0" cy="697018"/>
+            <a:off x="7103019" y="1650690"/>
+            <a:ext cx="0" cy="688181"/>
           </a:xfrm>
           <a:prstGeom prst="straightConnector1">
             <a:avLst/>
@@ -6516,8 +6516,8 @@
         </p:nvSpPr>
         <p:spPr>
           <a:xfrm>
-            <a:off x="1795956" y="1097046"/>
-            <a:ext cx="2852244" cy="304800"/>
+            <a:off x="1618779" y="1097046"/>
+            <a:ext cx="3617983" cy="304800"/>
           </a:xfrm>
           <a:prstGeom prst="leftRightArrow">
             <a:avLst/>
@@ -6554,8 +6554,8 @@
         </p:nvSpPr>
         <p:spPr>
           <a:xfrm>
-            <a:off x="1795956" y="2533507"/>
-            <a:ext cx="2852244" cy="304800"/>
+            <a:off x="1611425" y="2533507"/>
+            <a:ext cx="3625337" cy="304800"/>
           </a:xfrm>
           <a:prstGeom prst="leftRightArrow">
             <a:avLst/>
@@ -6592,8 +6592,8 @@
         </p:nvSpPr>
         <p:spPr>
           <a:xfrm>
-            <a:off x="1795956" y="3978160"/>
-            <a:ext cx="2852244" cy="304800"/>
+            <a:off x="1618779" y="3978160"/>
+            <a:ext cx="3617983" cy="304800"/>
           </a:xfrm>
           <a:prstGeom prst="leftRightArrow">
             <a:avLst/>
@@ -6630,7 +6630,7 @@
         </p:nvSpPr>
         <p:spPr>
           <a:xfrm>
-            <a:off x="2764500" y="761402"/>
+            <a:off x="2944863" y="720129"/>
             <a:ext cx="914400" cy="990599"/>
           </a:xfrm>
           <a:prstGeom prst="foldedCorner">
@@ -6684,7 +6684,7 @@
         </p:nvSpPr>
         <p:spPr>
           <a:xfrm>
-            <a:off x="3301080" y="2190607"/>
+            <a:off x="3967530" y="2145041"/>
             <a:ext cx="914400" cy="990599"/>
           </a:xfrm>
           <a:prstGeom prst="foldedCorner">
@@ -6732,13 +6732,13 @@
       </p:sp>
       <p:sp>
         <p:nvSpPr>
-          <p:cNvPr id="39" name="Folded Corner 38"/>
+          <p:cNvPr id="42" name="Folded Corner 41"/>
           <p:cNvSpPr/>
           <p:nvPr/>
         </p:nvSpPr>
         <p:spPr>
           <a:xfrm>
-            <a:off x="2234280" y="2190607"/>
+            <a:off x="3988311" y="3644731"/>
             <a:ext cx="914400" cy="990599"/>
           </a:xfrm>
           <a:prstGeom prst="foldedCorner">
@@ -6779,20 +6779,20 @@
                   <a:srgbClr val="000090"/>
                 </a:solidFill>
               </a:rPr>
-              <a:t>Transaction Endorser Agreement</a:t>
-            </a:r>
-          </a:p>
-        </p:txBody>
-      </p:sp>
-      <p:sp>
-        <p:nvSpPr>
-          <p:cNvPr id="42" name="Folded Corner 41"/>
+              <a:t>Data Processing Agreement</a:t>
+            </a:r>
+          </a:p>
+        </p:txBody>
+      </p:sp>
+      <p:sp>
+        <p:nvSpPr>
+          <p:cNvPr id="43" name="Folded Corner 42"/>
           <p:cNvSpPr/>
           <p:nvPr/>
         </p:nvSpPr>
         <p:spPr>
           <a:xfrm>
-            <a:off x="3301080" y="3635260"/>
+            <a:off x="2929558" y="3644730"/>
             <a:ext cx="914400" cy="990599"/>
           </a:xfrm>
           <a:prstGeom prst="foldedCorner">
@@ -6833,72 +6833,7 @@
                   <a:srgbClr val="000090"/>
                 </a:solidFill>
               </a:rPr>
-              <a:t>Data Processing Agreement</a:t>
-            </a:r>
-          </a:p>
-        </p:txBody>
-      </p:sp>
-      <p:sp>
-        <p:nvSpPr>
-          <p:cNvPr id="43" name="Folded Corner 42"/>
-          <p:cNvSpPr/>
-          <p:nvPr/>
-        </p:nvSpPr>
-        <p:spPr>
-          <a:xfrm>
-            <a:off x="2234280" y="3635260"/>
-            <a:ext cx="914400" cy="990599"/>
-          </a:xfrm>
-          <a:prstGeom prst="foldedCorner">
-            <a:avLst/>
-          </a:prstGeom>
-          <a:solidFill>
-            <a:schemeClr val="accent6">
-              <a:lumMod val="20000"/>
-              <a:lumOff val="80000"/>
-            </a:schemeClr>
-          </a:solidFill>
-          <a:ln>
-            <a:noFill/>
-          </a:ln>
-        </p:spPr>
-        <p:style>
-          <a:lnRef idx="1">
-            <a:schemeClr val="accent1"/>
-          </a:lnRef>
-          <a:fillRef idx="3">
-            <a:schemeClr val="accent1"/>
-          </a:fillRef>
-          <a:effectRef idx="2">
-            <a:schemeClr val="accent1"/>
-          </a:effectRef>
-          <a:fontRef idx="minor">
-            <a:schemeClr val="lt1"/>
-          </a:fontRef>
-        </p:style>
-        <p:txBody>
-          <a:bodyPr lIns="0" rIns="0" rtlCol="0" anchor="ctr"/>
-          <a:lstStyle/>
-          <a:p>
-            <a:pPr algn="ctr"/>
-            <a:r>
-              <a:rPr lang="en-US" sz="1200" dirty="0">
-                <a:solidFill>
-                  <a:srgbClr val="000090"/>
-                </a:solidFill>
-              </a:rPr>
-              <a:t>DIBE </a:t>
-            </a:r>
-          </a:p>
-          <a:p>
-            <a:pPr algn="ctr"/>
-            <a:r>
-              <a:rPr lang="en-US" sz="1200" dirty="0">
-                <a:solidFill>
-                  <a:srgbClr val="000090"/>
-                </a:solidFill>
-              </a:rPr>
-              <a:t>Member Agreement</a:t>
+              <a:t>Steward Agreement</a:t>
             </a:r>
           </a:p>
         </p:txBody>
@@ -6911,7 +6846,7 @@
         </p:nvSpPr>
         <p:spPr>
           <a:xfrm>
-            <a:off x="5758356" y="1717985"/>
+            <a:off x="6161170" y="1684704"/>
             <a:ext cx="914400" cy="461665"/>
           </a:xfrm>
           <a:prstGeom prst="rect">
@@ -6925,6 +6860,7 @@
           </a:bodyPr>
           <a:lstStyle/>
           <a:p>
+            <a:pPr algn="ctr"/>
             <a:r>
               <a:rPr lang="en-US" sz="1200" dirty="0"/>
               <a:t>Submits Transaction</a:t>
@@ -6936,6 +6872,7 @@
         <p:nvCxnSpPr>
           <p:cNvPr id="44" name="Straight Arrow Connector 43"/>
           <p:cNvCxnSpPr>
+            <a:cxnSpLocks/>
             <a:stCxn id="8" idx="2"/>
             <a:endCxn id="3" idx="0"/>
           </p:cNvCxnSpPr>
@@ -6943,7 +6880,7 @@
         </p:nvCxnSpPr>
         <p:spPr>
           <a:xfrm>
-            <a:off x="6803478" y="4434397"/>
+            <a:off x="7108278" y="4434397"/>
             <a:ext cx="0" cy="603307"/>
           </a:xfrm>
           <a:prstGeom prst="straightConnector1">
@@ -6977,7 +6914,7 @@
         </p:nvSpPr>
         <p:spPr>
           <a:xfrm>
-            <a:off x="5758356" y="3124814"/>
+            <a:off x="7138571" y="3082366"/>
             <a:ext cx="914400" cy="461665"/>
           </a:xfrm>
           <a:prstGeom prst="rect">
@@ -6991,6 +6928,7 @@
           </a:bodyPr>
           <a:lstStyle/>
           <a:p>
+            <a:pPr algn="ctr"/>
             <a:r>
               <a:rPr lang="en-US" sz="1200" dirty="0"/>
               <a:t>Endorses Transaction</a:t>
@@ -7006,7 +6944,7 @@
         </p:nvSpPr>
         <p:spPr>
           <a:xfrm>
-            <a:off x="6809916" y="4444766"/>
+            <a:off x="6064597" y="4453034"/>
             <a:ext cx="914400" cy="461665"/>
           </a:xfrm>
           <a:prstGeom prst="rect">
@@ -7020,6 +6958,7 @@
           </a:bodyPr>
           <a:lstStyle/>
           <a:p>
+            <a:pPr algn="ctr"/>
             <a:r>
               <a:rPr lang="en-US" sz="1200" dirty="0"/>
               <a:t>Writes Transaction</a:t>
@@ -7189,7 +7128,7 @@
         </p:nvSpPr>
         <p:spPr>
           <a:xfrm>
-            <a:off x="7561464" y="1128203"/>
+            <a:off x="7786393" y="1137394"/>
             <a:ext cx="961192" cy="304800"/>
           </a:xfrm>
           <a:prstGeom prst="roundRect">
@@ -7328,7 +7267,7 @@
         </p:nvSpPr>
         <p:spPr>
           <a:xfrm>
-            <a:off x="5033320" y="1138027"/>
+            <a:off x="5403401" y="1145631"/>
             <a:ext cx="961192" cy="304800"/>
           </a:xfrm>
           <a:prstGeom prst="roundRect">
@@ -7382,7 +7321,7 @@
         </p:nvSpPr>
         <p:spPr>
           <a:xfrm>
-            <a:off x="6297392" y="1137394"/>
+            <a:off x="6580952" y="1145631"/>
             <a:ext cx="961192" cy="304800"/>
           </a:xfrm>
           <a:prstGeom prst="roundRect">
@@ -7419,6 +7358,120 @@
               <a:t>Holder</a:t>
             </a:r>
             <a:endParaRPr lang="en-US" dirty="0"/>
+          </a:p>
+        </p:txBody>
+      </p:sp>
+      <p:sp>
+        <p:nvSpPr>
+          <p:cNvPr id="50" name="Folded Corner 49">
+            <a:extLst>
+              <a:ext uri="{FF2B5EF4-FFF2-40B4-BE49-F238E27FC236}">
+                <a16:creationId xmlns:a16="http://schemas.microsoft.com/office/drawing/2014/main" id="{0E5416E3-F517-3F47-B2FA-56F497DFD470}"/>
+              </a:ext>
+            </a:extLst>
+          </p:cNvPr>
+          <p:cNvSpPr/>
+          <p:nvPr/>
+        </p:nvSpPr>
+        <p:spPr>
+          <a:xfrm>
+            <a:off x="1942493" y="2205961"/>
+            <a:ext cx="914400" cy="990599"/>
+          </a:xfrm>
+          <a:prstGeom prst="foldedCorner">
+            <a:avLst/>
+          </a:prstGeom>
+          <a:solidFill>
+            <a:schemeClr val="accent6">
+              <a:lumMod val="20000"/>
+              <a:lumOff val="80000"/>
+            </a:schemeClr>
+          </a:solidFill>
+          <a:ln>
+            <a:noFill/>
+          </a:ln>
+        </p:spPr>
+        <p:style>
+          <a:lnRef idx="1">
+            <a:schemeClr val="accent1"/>
+          </a:lnRef>
+          <a:fillRef idx="3">
+            <a:schemeClr val="accent1"/>
+          </a:fillRef>
+          <a:effectRef idx="2">
+            <a:schemeClr val="accent1"/>
+          </a:effectRef>
+          <a:fontRef idx="minor">
+            <a:schemeClr val="lt1"/>
+          </a:fontRef>
+        </p:style>
+        <p:txBody>
+          <a:bodyPr lIns="0" rIns="0" rtlCol="0" anchor="ctr"/>
+          <a:lstStyle/>
+          <a:p>
+            <a:pPr algn="ctr"/>
+            <a:r>
+              <a:rPr lang="en-US" sz="1200" dirty="0">
+                <a:solidFill>
+                  <a:srgbClr val="000090"/>
+                </a:solidFill>
+              </a:rPr>
+              <a:t>Subscriber Agreement</a:t>
+            </a:r>
+          </a:p>
+        </p:txBody>
+      </p:sp>
+      <p:sp>
+        <p:nvSpPr>
+          <p:cNvPr id="39" name="Folded Corner 38"/>
+          <p:cNvSpPr/>
+          <p:nvPr/>
+        </p:nvSpPr>
+        <p:spPr>
+          <a:xfrm>
+            <a:off x="2944863" y="2184911"/>
+            <a:ext cx="914400" cy="990599"/>
+          </a:xfrm>
+          <a:prstGeom prst="foldedCorner">
+            <a:avLst/>
+          </a:prstGeom>
+          <a:solidFill>
+            <a:schemeClr val="accent6">
+              <a:lumMod val="20000"/>
+              <a:lumOff val="80000"/>
+            </a:schemeClr>
+          </a:solidFill>
+          <a:ln>
+            <a:noFill/>
+          </a:ln>
+        </p:spPr>
+        <p:style>
+          <a:lnRef idx="1">
+            <a:schemeClr val="accent1"/>
+          </a:lnRef>
+          <a:fillRef idx="3">
+            <a:schemeClr val="accent1"/>
+          </a:fillRef>
+          <a:effectRef idx="2">
+            <a:schemeClr val="accent1"/>
+          </a:effectRef>
+          <a:fontRef idx="minor">
+            <a:schemeClr val="lt1"/>
+          </a:fontRef>
+        </p:style>
+        <p:txBody>
+          <a:bodyPr lIns="0" rIns="0" rtlCol="0" anchor="ctr"/>
+          <a:lstStyle/>
+          <a:p>
+            <a:pPr algn="ctr"/>
+            <a:r>
+              <a:rPr lang="en-US" sz="1200" dirty="0">
+                <a:solidFill>
+                  <a:srgbClr val="000090"/>
+                </a:solidFill>
+              </a:rPr>
+              <a:t>Transaction Endorser Agreement</a:t>
+            </a:r>
           </a:p>
         </p:txBody>
       </p:sp>
